--- a/Week 2 Friday September 5.pptx
+++ b/Week 2 Friday September 5.pptx
@@ -8,7 +8,7 @@
     <p:notesMasterId r:id="rId29"/>
   </p:notesMasterIdLst>
   <p:sldIdLst>
-    <p:sldId id="479" r:id="rId2"/>
+    <p:sldId id="569" r:id="rId2"/>
     <p:sldId id="511" r:id="rId3"/>
     <p:sldId id="546" r:id="rId4"/>
     <p:sldId id="547" r:id="rId5"/>
@@ -152,12 +152,20 @@
 </p:presentation>
 </file>
 
+<file path=ppt/revisionInfo.xml><?xml version="1.0" encoding="utf-8"?>
+<p1510:revInfo xmlns:a="http://schemas.openxmlformats.org/drawingml/2006/main" xmlns:r="http://schemas.openxmlformats.org/officeDocument/2006/relationships" xmlns:p1510="http://schemas.microsoft.com/office/powerpoint/2015/10/main">
+  <p1510:revLst>
+    <p1510:client id="{AEAE18FB-4B38-4D54-A2EB-8536E9766552}" v="1" dt="2025-09-05T17:55:26.572"/>
+  </p1510:revLst>
+</p1510:revInfo>
+</file>
+
 <file path=ppt/changesInfos/changesInfo1.xml><?xml version="1.0" encoding="utf-8"?>
 <pc:chgInfo xmlns:a="http://schemas.openxmlformats.org/drawingml/2006/main" xmlns:r="http://schemas.openxmlformats.org/officeDocument/2006/relationships" xmlns:ac="http://schemas.microsoft.com/office/drawing/2013/main/command" xmlns:pc="http://schemas.microsoft.com/office/powerpoint/2013/main/command">
   <pc:docChgLst>
     <pc:chgData name="Aleksey Zimin" userId="7f2637d0bc515791" providerId="LiveId" clId="{AEAE18FB-4B38-4D54-A2EB-8536E9766552}"/>
-    <pc:docChg chg="delSld modSld">
-      <pc:chgData name="Aleksey Zimin" userId="7f2637d0bc515791" providerId="LiveId" clId="{AEAE18FB-4B38-4D54-A2EB-8536E9766552}" dt="2025-09-05T14:16:41.369" v="39" actId="115"/>
+    <pc:docChg chg="custSel addSld delSld modSld">
+      <pc:chgData name="Aleksey Zimin" userId="7f2637d0bc515791" providerId="LiveId" clId="{AEAE18FB-4B38-4D54-A2EB-8536E9766552}" dt="2025-09-05T17:55:57.005" v="67" actId="20577"/>
       <pc:docMkLst>
         <pc:docMk/>
       </pc:docMkLst>
@@ -498,6 +506,13 @@
         </pc:sldMkLst>
       </pc:sldChg>
       <pc:sldChg chg="del">
+        <pc:chgData name="Aleksey Zimin" userId="7f2637d0bc515791" providerId="LiveId" clId="{AEAE18FB-4B38-4D54-A2EB-8536E9766552}" dt="2025-09-05T17:55:28.837" v="41" actId="47"/>
+        <pc:sldMkLst>
+          <pc:docMk/>
+          <pc:sldMk cId="1032525999" sldId="479"/>
+        </pc:sldMkLst>
+      </pc:sldChg>
+      <pc:sldChg chg="del">
         <pc:chgData name="Aleksey Zimin" userId="7f2637d0bc515791" providerId="LiveId" clId="{AEAE18FB-4B38-4D54-A2EB-8536E9766552}" dt="2025-09-05T14:16:00.258" v="1" actId="47"/>
         <pc:sldMkLst>
           <pc:docMk/>
@@ -722,6 +737,21 @@
           <pc:docMk/>
           <pc:sldMk cId="3463192798" sldId="545"/>
         </pc:sldMkLst>
+      </pc:sldChg>
+      <pc:sldChg chg="modSp add mod">
+        <pc:chgData name="Aleksey Zimin" userId="7f2637d0bc515791" providerId="LiveId" clId="{AEAE18FB-4B38-4D54-A2EB-8536E9766552}" dt="2025-09-05T17:55:57.005" v="67" actId="20577"/>
+        <pc:sldMkLst>
+          <pc:docMk/>
+          <pc:sldMk cId="1547857595" sldId="569"/>
+        </pc:sldMkLst>
+        <pc:spChg chg="mod">
+          <ac:chgData name="Aleksey Zimin" userId="7f2637d0bc515791" providerId="LiveId" clId="{AEAE18FB-4B38-4D54-A2EB-8536E9766552}" dt="2025-09-05T17:55:57.005" v="67" actId="20577"/>
+          <ac:spMkLst>
+            <pc:docMk/>
+            <pc:sldMk cId="1547857595" sldId="569"/>
+            <ac:spMk id="3" creationId="{7A96AF36-04A2-FCFE-A6EC-5DD8D73DE073}"/>
+          </ac:spMkLst>
+        </pc:spChg>
       </pc:sldChg>
     </pc:docChg>
   </pc:docChgLst>
@@ -4957,7 +4987,7 @@
         <p:spPr/>
         <p:txBody>
           <a:bodyPr>
-            <a:normAutofit lnSpcReduction="10000"/>
+            <a:normAutofit fontScale="92500" lnSpcReduction="10000"/>
           </a:bodyPr>
           <a:lstStyle/>
           <a:p>
@@ -4967,7 +4997,7 @@
             </a:r>
             <a:r>
               <a:rPr lang="en-US" i="1" dirty="0"/>
-              <a:t>m</a:t>
+              <a:t>M</a:t>
             </a:r>
             <a:r>
               <a:rPr lang="en-US" dirty="0"/>
@@ -4975,51 +5005,54 @@
             </a:r>
             <a:r>
               <a:rPr lang="en-US" i="1" dirty="0"/>
+              <a:t>N, </a:t>
+            </a:r>
+            <a:r>
+              <a:rPr lang="en-US" dirty="0"/>
+              <a:t>of average size </a:t>
+            </a:r>
+            <a:r>
+              <a:rPr lang="en-US" i="1" dirty="0"/>
+              <a:t>m</a:t>
+            </a:r>
+            <a:r>
+              <a:rPr lang="en-US" dirty="0"/>
+              <a:t> and </a:t>
+            </a:r>
+            <a:r>
+              <a:rPr lang="en-US" i="1" dirty="0"/>
               <a:t>n</a:t>
             </a:r>
           </a:p>
           <a:p>
             <a:r>
               <a:rPr lang="en-US" dirty="0"/>
-              <a:t>Alignment would include doing </a:t>
+              <a:t>Each Smith-Waterman contig-to-contig alignment would include doing </a:t>
             </a:r>
             <a:r>
               <a:rPr lang="en-US" i="1" dirty="0"/>
-              <a:t>m*n</a:t>
+              <a:t>O(m*n) </a:t>
             </a:r>
             <a:r>
               <a:rPr lang="en-US" dirty="0"/>
-              <a:t> comparisons, each Smith-Waterman alignment is </a:t>
+              <a:t>operations, and we have to do it </a:t>
             </a:r>
             <a:r>
               <a:rPr lang="en-US" i="1" dirty="0"/>
-              <a:t>O(m*n), </a:t>
+              <a:t>M*N</a:t>
             </a:r>
             <a:r>
               <a:rPr lang="en-US" dirty="0"/>
-              <a:t>total cost </a:t>
+              <a:t> times, so the total </a:t>
+            </a:r>
+            <a:r>
+              <a:rPr lang="en-US"/>
+              <a:t>cost is </a:t>
             </a:r>
             <a:r>
               <a:rPr lang="en-US" i="1" dirty="0"/>
-              <a:t>O(m</a:t>
-            </a:r>
-            <a:r>
-              <a:rPr lang="en-US" i="1" baseline="30000" dirty="0"/>
-              <a:t>2</a:t>
-            </a:r>
-            <a:r>
-              <a:rPr lang="en-US" i="1" dirty="0"/>
-              <a:t>*n</a:t>
-            </a:r>
-            <a:r>
-              <a:rPr lang="en-US" i="1" baseline="30000" dirty="0"/>
-              <a:t>2</a:t>
-            </a:r>
-            <a:r>
-              <a:rPr lang="en-US" i="1" dirty="0"/>
-              <a:t>) </a:t>
-            </a:r>
-            <a:endParaRPr lang="en-US" dirty="0"/>
+              <a:t>O(M*N*m*n)</a:t>
+            </a:r>
           </a:p>
           <a:p>
             <a:r>
@@ -5561,7 +5594,7 @@
     </p:spTree>
     <p:extLst>
       <p:ext uri="{BB962C8B-B14F-4D97-AF65-F5344CB8AC3E}">
-        <p14:creationId xmlns:p14="http://schemas.microsoft.com/office/powerpoint/2010/main" val="1032525999"/>
+        <p14:creationId xmlns:p14="http://schemas.microsoft.com/office/powerpoint/2010/main" val="1547857595"/>
       </p:ext>
     </p:extLst>
   </p:cSld>

--- a/Week 2 Friday September 5.pptx
+++ b/Week 2 Friday September 5.pptx
@@ -155,7 +155,7 @@
 <file path=ppt/revisionInfo.xml><?xml version="1.0" encoding="utf-8"?>
 <p1510:revInfo xmlns:a="http://schemas.openxmlformats.org/drawingml/2006/main" xmlns:r="http://schemas.openxmlformats.org/officeDocument/2006/relationships" xmlns:p1510="http://schemas.microsoft.com/office/powerpoint/2015/10/main">
   <p1510:revLst>
-    <p1510:client id="{AEAE18FB-4B38-4D54-A2EB-8536E9766552}" v="1" dt="2025-09-05T17:55:26.572"/>
+    <p1510:client id="{AEAE18FB-4B38-4D54-A2EB-8536E9766552}" v="2" dt="2025-09-05T18:08:14.035"/>
   </p1510:revLst>
 </p1510:revInfo>
 </file>
@@ -165,7 +165,7 @@
   <pc:docChgLst>
     <pc:chgData name="Aleksey Zimin" userId="7f2637d0bc515791" providerId="LiveId" clId="{AEAE18FB-4B38-4D54-A2EB-8536E9766552}"/>
     <pc:docChg chg="custSel addSld delSld modSld">
-      <pc:chgData name="Aleksey Zimin" userId="7f2637d0bc515791" providerId="LiveId" clId="{AEAE18FB-4B38-4D54-A2EB-8536E9766552}" dt="2025-09-05T17:55:57.005" v="67" actId="20577"/>
+      <pc:chgData name="Aleksey Zimin" userId="7f2637d0bc515791" providerId="LiveId" clId="{AEAE18FB-4B38-4D54-A2EB-8536E9766552}" dt="2025-09-05T18:08:14.024" v="69"/>
       <pc:docMkLst>
         <pc:docMk/>
       </pc:docMkLst>
@@ -738,6 +738,41 @@
           <pc:sldMk cId="3463192798" sldId="545"/>
         </pc:sldMkLst>
       </pc:sldChg>
+      <pc:sldChg chg="add del">
+        <pc:chgData name="Aleksey Zimin" userId="7f2637d0bc515791" providerId="LiveId" clId="{AEAE18FB-4B38-4D54-A2EB-8536E9766552}" dt="2025-09-05T18:08:14.024" v="69"/>
+        <pc:sldMkLst>
+          <pc:docMk/>
+          <pc:sldMk cId="888402848" sldId="546"/>
+        </pc:sldMkLst>
+      </pc:sldChg>
+      <pc:sldChg chg="add del">
+        <pc:chgData name="Aleksey Zimin" userId="7f2637d0bc515791" providerId="LiveId" clId="{AEAE18FB-4B38-4D54-A2EB-8536E9766552}" dt="2025-09-05T18:08:14.024" v="69"/>
+        <pc:sldMkLst>
+          <pc:docMk/>
+          <pc:sldMk cId="3427682825" sldId="547"/>
+        </pc:sldMkLst>
+      </pc:sldChg>
+      <pc:sldChg chg="add del">
+        <pc:chgData name="Aleksey Zimin" userId="7f2637d0bc515791" providerId="LiveId" clId="{AEAE18FB-4B38-4D54-A2EB-8536E9766552}" dt="2025-09-05T18:08:14.024" v="69"/>
+        <pc:sldMkLst>
+          <pc:docMk/>
+          <pc:sldMk cId="1709966318" sldId="553"/>
+        </pc:sldMkLst>
+      </pc:sldChg>
+      <pc:sldChg chg="add del">
+        <pc:chgData name="Aleksey Zimin" userId="7f2637d0bc515791" providerId="LiveId" clId="{AEAE18FB-4B38-4D54-A2EB-8536E9766552}" dt="2025-09-05T18:08:14.024" v="69"/>
+        <pc:sldMkLst>
+          <pc:docMk/>
+          <pc:sldMk cId="3495650733" sldId="556"/>
+        </pc:sldMkLst>
+      </pc:sldChg>
+      <pc:sldChg chg="add del">
+        <pc:chgData name="Aleksey Zimin" userId="7f2637d0bc515791" providerId="LiveId" clId="{AEAE18FB-4B38-4D54-A2EB-8536E9766552}" dt="2025-09-05T18:08:14.024" v="69"/>
+        <pc:sldMkLst>
+          <pc:docMk/>
+          <pc:sldMk cId="3631780251" sldId="557"/>
+        </pc:sldMkLst>
+      </pc:sldChg>
       <pc:sldChg chg="modSp add mod">
         <pc:chgData name="Aleksey Zimin" userId="7f2637d0bc515791" providerId="LiveId" clId="{AEAE18FB-4B38-4D54-A2EB-8536E9766552}" dt="2025-09-05T17:55:57.005" v="67" actId="20577"/>
         <pc:sldMkLst>
@@ -14592,7 +14627,7 @@
                 <a:latin typeface="Courier New" panose="02070309020205020404" pitchFamily="49" charset="0"/>
                 <a:cs typeface="Courier New" panose="02070309020205020404" pitchFamily="49" charset="0"/>
               </a:rPr>
-              <a:t>T</a:t>
+              <a:t>C</a:t>
             </a:r>
             <a:r>
               <a:rPr lang="en-US" sz="2800" b="1" dirty="0">
@@ -15109,7 +15144,7 @@
                 <a:latin typeface="Courier New" panose="02070309020205020404" pitchFamily="49" charset="0"/>
                 <a:cs typeface="Courier New" panose="02070309020205020404" pitchFamily="49" charset="0"/>
               </a:rPr>
-              <a:t>T</a:t>
+              <a:t>C</a:t>
             </a:r>
             <a:r>
               <a:rPr lang="en-US" sz="2800" b="1" dirty="0">
@@ -15542,7 +15577,7 @@
                 <a:latin typeface="Courier New" panose="02070309020205020404" pitchFamily="49" charset="0"/>
                 <a:cs typeface="Courier New" panose="02070309020205020404" pitchFamily="49" charset="0"/>
               </a:rPr>
-              <a:t>T</a:t>
+              <a:t>C</a:t>
             </a:r>
             <a:r>
               <a:rPr lang="en-US" sz="2800" b="1" dirty="0">
@@ -15660,181 +15695,6 @@
       </p:sp>
       <p:sp>
         <p:nvSpPr>
-          <p:cNvPr id="7" name="TextBox 6">
-            <a:extLst>
-              <a:ext uri="{FF2B5EF4-FFF2-40B4-BE49-F238E27FC236}">
-                <a16:creationId xmlns:a16="http://schemas.microsoft.com/office/drawing/2014/main" id="{57B720FA-C340-D07A-519D-7C251ECEBEF2}"/>
-              </a:ext>
-            </a:extLst>
-          </p:cNvPr>
-          <p:cNvSpPr txBox="1"/>
-          <p:nvPr/>
-        </p:nvSpPr>
-        <p:spPr>
-          <a:xfrm>
-            <a:off x="1487046" y="1275934"/>
-            <a:ext cx="4608954" cy="5262979"/>
-          </a:xfrm>
-          <a:prstGeom prst="rect">
-            <a:avLst/>
-          </a:prstGeom>
-          <a:noFill/>
-        </p:spPr>
-        <p:txBody>
-          <a:bodyPr wrap="none" rtlCol="0">
-            <a:spAutoFit/>
-          </a:bodyPr>
-          <a:lstStyle/>
-          <a:p>
-            <a:r>
-              <a:rPr lang="en-US" sz="2400" b="1" dirty="0">
-                <a:latin typeface="Courier New" panose="02070309020205020404" pitchFamily="49" charset="0"/>
-                <a:cs typeface="Courier New" panose="02070309020205020404" pitchFamily="49" charset="0"/>
-              </a:rPr>
-              <a:t>  AGATAGATAGACAACATAGACT</a:t>
-            </a:r>
-          </a:p>
-          <a:p>
-            <a:r>
-              <a:rPr lang="en-US" sz="2400" b="1" dirty="0">
-                <a:solidFill>
-                  <a:srgbClr val="00B0F0"/>
-                </a:solidFill>
-                <a:latin typeface="Courier New" panose="02070309020205020404" pitchFamily="49" charset="0"/>
-                <a:cs typeface="Courier New" panose="02070309020205020404" pitchFamily="49" charset="0"/>
-              </a:rPr>
-              <a:t>AGATA</a:t>
-            </a:r>
-            <a:r>
-              <a:rPr lang="en-US" sz="2400" b="1" dirty="0">
-                <a:latin typeface="Courier New" panose="02070309020205020404" pitchFamily="49" charset="0"/>
-                <a:cs typeface="Courier New" panose="02070309020205020404" pitchFamily="49" charset="0"/>
-              </a:rPr>
-              <a:t> (1,5)</a:t>
-            </a:r>
-          </a:p>
-          <a:p>
-            <a:r>
-              <a:rPr lang="en-US" sz="2400" b="1" dirty="0">
-                <a:solidFill>
-                  <a:srgbClr val="00B0F0"/>
-                </a:solidFill>
-                <a:latin typeface="Courier New" panose="02070309020205020404" pitchFamily="49" charset="0"/>
-                <a:cs typeface="Courier New" panose="02070309020205020404" pitchFamily="49" charset="0"/>
-              </a:rPr>
-              <a:t>GATAG</a:t>
-            </a:r>
-            <a:r>
-              <a:rPr lang="en-US" sz="2400" b="1" dirty="0">
-                <a:latin typeface="Courier New" panose="02070309020205020404" pitchFamily="49" charset="0"/>
-                <a:cs typeface="Courier New" panose="02070309020205020404" pitchFamily="49" charset="0"/>
-              </a:rPr>
-              <a:t> (2)</a:t>
-            </a:r>
-          </a:p>
-          <a:p>
-            <a:r>
-              <a:rPr lang="en-US" sz="2400" b="1" dirty="0">
-                <a:latin typeface="Courier New" panose="02070309020205020404" pitchFamily="49" charset="0"/>
-                <a:cs typeface="Courier New" panose="02070309020205020404" pitchFamily="49" charset="0"/>
-              </a:rPr>
-              <a:t>ATAGA (3,7,15)</a:t>
-            </a:r>
-          </a:p>
-          <a:p>
-            <a:r>
-              <a:rPr lang="en-US" sz="2400" b="1" dirty="0">
-                <a:latin typeface="Courier New" panose="02070309020205020404" pitchFamily="49" charset="0"/>
-                <a:cs typeface="Courier New" panose="02070309020205020404" pitchFamily="49" charset="0"/>
-              </a:rPr>
-              <a:t>TAGAT (4)</a:t>
-            </a:r>
-          </a:p>
-          <a:p>
-            <a:r>
-              <a:rPr lang="en-US" sz="2400" b="1" dirty="0">
-                <a:latin typeface="Courier New" panose="02070309020205020404" pitchFamily="49" charset="0"/>
-                <a:cs typeface="Courier New" panose="02070309020205020404" pitchFamily="49" charset="0"/>
-              </a:rPr>
-              <a:t>GATAG (6)</a:t>
-            </a:r>
-          </a:p>
-          <a:p>
-            <a:r>
-              <a:rPr lang="en-US" sz="2400" b="1" dirty="0">
-                <a:latin typeface="Courier New" panose="02070309020205020404" pitchFamily="49" charset="0"/>
-                <a:cs typeface="Courier New" panose="02070309020205020404" pitchFamily="49" charset="0"/>
-              </a:rPr>
-              <a:t>TAGAC (8,16)</a:t>
-            </a:r>
-          </a:p>
-          <a:p>
-            <a:r>
-              <a:rPr lang="en-US" sz="2400" b="1" dirty="0">
-                <a:latin typeface="Courier New" panose="02070309020205020404" pitchFamily="49" charset="0"/>
-                <a:cs typeface="Courier New" panose="02070309020205020404" pitchFamily="49" charset="0"/>
-              </a:rPr>
-              <a:t>AGACA (9)</a:t>
-            </a:r>
-          </a:p>
-          <a:p>
-            <a:r>
-              <a:rPr lang="en-US" sz="2400" b="1" dirty="0">
-                <a:latin typeface="Courier New" panose="02070309020205020404" pitchFamily="49" charset="0"/>
-                <a:cs typeface="Courier New" panose="02070309020205020404" pitchFamily="49" charset="0"/>
-              </a:rPr>
-              <a:t>GACAA (10)</a:t>
-            </a:r>
-          </a:p>
-          <a:p>
-            <a:r>
-              <a:rPr lang="en-US" sz="2400" b="1" dirty="0">
-                <a:latin typeface="Courier New" panose="02070309020205020404" pitchFamily="49" charset="0"/>
-                <a:cs typeface="Courier New" panose="02070309020205020404" pitchFamily="49" charset="0"/>
-              </a:rPr>
-              <a:t>ACAAC (11)</a:t>
-            </a:r>
-          </a:p>
-          <a:p>
-            <a:r>
-              <a:rPr lang="en-US" sz="2400" b="1" dirty="0">
-                <a:latin typeface="Courier New" panose="02070309020205020404" pitchFamily="49" charset="0"/>
-                <a:cs typeface="Courier New" panose="02070309020205020404" pitchFamily="49" charset="0"/>
-              </a:rPr>
-              <a:t>CAACA (12)</a:t>
-            </a:r>
-          </a:p>
-          <a:p>
-            <a:r>
-              <a:rPr lang="en-US" sz="2400" b="1" dirty="0">
-                <a:latin typeface="Courier New" panose="02070309020205020404" pitchFamily="49" charset="0"/>
-                <a:cs typeface="Courier New" panose="02070309020205020404" pitchFamily="49" charset="0"/>
-              </a:rPr>
-              <a:t>ACATA (13)</a:t>
-            </a:r>
-          </a:p>
-          <a:p>
-            <a:r>
-              <a:rPr lang="en-US" sz="2400" b="1" dirty="0">
-                <a:latin typeface="Courier New" panose="02070309020205020404" pitchFamily="49" charset="0"/>
-                <a:cs typeface="Courier New" panose="02070309020205020404" pitchFamily="49" charset="0"/>
-              </a:rPr>
-              <a:t>CATAG (14)</a:t>
-            </a:r>
-          </a:p>
-          <a:p>
-            <a:r>
-              <a:rPr lang="en-US" sz="2400" b="1" dirty="0">
-                <a:latin typeface="Courier New" panose="02070309020205020404" pitchFamily="49" charset="0"/>
-                <a:cs typeface="Courier New" panose="02070309020205020404" pitchFamily="49" charset="0"/>
-              </a:rPr>
-              <a:t>AGACT (17)</a:t>
-            </a:r>
-          </a:p>
-        </p:txBody>
-      </p:sp>
-      <p:sp>
-        <p:nvSpPr>
           <p:cNvPr id="3" name="TextBox 2">
             <a:extLst>
               <a:ext uri="{FF2B5EF4-FFF2-40B4-BE49-F238E27FC236}">
@@ -16013,7 +15873,7 @@
                 <a:latin typeface="Courier New" panose="02070309020205020404" pitchFamily="49" charset="0"/>
                 <a:cs typeface="Courier New" panose="02070309020205020404" pitchFamily="49" charset="0"/>
               </a:rPr>
-              <a:t>T</a:t>
+              <a:t>C</a:t>
             </a:r>
             <a:r>
               <a:rPr lang="en-US" sz="2800" b="1" dirty="0">
@@ -16021,6 +15881,190 @@
                 <a:cs typeface="Courier New" panose="02070309020205020404" pitchFamily="49" charset="0"/>
               </a:rPr>
               <a:t>AGACT</a:t>
+            </a:r>
+          </a:p>
+        </p:txBody>
+      </p:sp>
+      <p:sp>
+        <p:nvSpPr>
+          <p:cNvPr id="10" name="TextBox 9">
+            <a:extLst>
+              <a:ext uri="{FF2B5EF4-FFF2-40B4-BE49-F238E27FC236}">
+                <a16:creationId xmlns:a16="http://schemas.microsoft.com/office/drawing/2014/main" id="{37B0CF4A-3A25-58A0-9AFC-CA67747DD49C}"/>
+              </a:ext>
+            </a:extLst>
+          </p:cNvPr>
+          <p:cNvSpPr txBox="1"/>
+          <p:nvPr/>
+        </p:nvSpPr>
+        <p:spPr>
+          <a:xfrm>
+            <a:off x="1394964" y="1322164"/>
+            <a:ext cx="4608954" cy="5632311"/>
+          </a:xfrm>
+          <a:prstGeom prst="rect">
+            <a:avLst/>
+          </a:prstGeom>
+          <a:noFill/>
+        </p:spPr>
+        <p:txBody>
+          <a:bodyPr wrap="none" rtlCol="0">
+            <a:spAutoFit/>
+          </a:bodyPr>
+          <a:lstStyle/>
+          <a:p>
+            <a:r>
+              <a:rPr lang="en-US" sz="2400" b="1" dirty="0">
+                <a:latin typeface="Courier New" panose="02070309020205020404" pitchFamily="49" charset="0"/>
+                <a:cs typeface="Courier New" panose="02070309020205020404" pitchFamily="49" charset="0"/>
+              </a:rPr>
+              <a:t>  AGATAGATAGACAACATAGACT</a:t>
+            </a:r>
+          </a:p>
+          <a:p>
+            <a:r>
+              <a:rPr lang="en-US" sz="2400" b="1" dirty="0">
+                <a:solidFill>
+                  <a:srgbClr val="00B0F0"/>
+                </a:solidFill>
+                <a:latin typeface="Courier New" panose="02070309020205020404" pitchFamily="49" charset="0"/>
+                <a:cs typeface="Courier New" panose="02070309020205020404" pitchFamily="49" charset="0"/>
+              </a:rPr>
+              <a:t>AGATA</a:t>
+            </a:r>
+            <a:r>
+              <a:rPr lang="en-US" sz="2400" b="1" dirty="0">
+                <a:latin typeface="Courier New" panose="02070309020205020404" pitchFamily="49" charset="0"/>
+                <a:cs typeface="Courier New" panose="02070309020205020404" pitchFamily="49" charset="0"/>
+              </a:rPr>
+              <a:t> (1,5)</a:t>
+            </a:r>
+          </a:p>
+          <a:p>
+            <a:r>
+              <a:rPr lang="en-US" sz="2400" b="1" dirty="0">
+                <a:solidFill>
+                  <a:srgbClr val="00B0F0"/>
+                </a:solidFill>
+                <a:latin typeface="Courier New" panose="02070309020205020404" pitchFamily="49" charset="0"/>
+                <a:cs typeface="Courier New" panose="02070309020205020404" pitchFamily="49" charset="0"/>
+              </a:rPr>
+              <a:t>GATAG</a:t>
+            </a:r>
+            <a:r>
+              <a:rPr lang="en-US" sz="2400" b="1" dirty="0">
+                <a:latin typeface="Courier New" panose="02070309020205020404" pitchFamily="49" charset="0"/>
+                <a:cs typeface="Courier New" panose="02070309020205020404" pitchFamily="49" charset="0"/>
+              </a:rPr>
+              <a:t> (2)</a:t>
+            </a:r>
+          </a:p>
+          <a:p>
+            <a:r>
+              <a:rPr lang="en-US" sz="2400" b="1" dirty="0">
+                <a:latin typeface="Courier New" panose="02070309020205020404" pitchFamily="49" charset="0"/>
+                <a:cs typeface="Courier New" panose="02070309020205020404" pitchFamily="49" charset="0"/>
+              </a:rPr>
+              <a:t>ATAGA (3,7,16)</a:t>
+            </a:r>
+          </a:p>
+          <a:p>
+            <a:r>
+              <a:rPr lang="en-US" sz="2400" b="1" dirty="0">
+                <a:latin typeface="Courier New" panose="02070309020205020404" pitchFamily="49" charset="0"/>
+                <a:cs typeface="Courier New" panose="02070309020205020404" pitchFamily="49" charset="0"/>
+              </a:rPr>
+              <a:t>TAGAT (4)</a:t>
+            </a:r>
+          </a:p>
+          <a:p>
+            <a:r>
+              <a:rPr lang="en-US" sz="2400" b="1" dirty="0">
+                <a:latin typeface="Courier New" panose="02070309020205020404" pitchFamily="49" charset="0"/>
+                <a:cs typeface="Courier New" panose="02070309020205020404" pitchFamily="49" charset="0"/>
+              </a:rPr>
+              <a:t>GATAG (6)</a:t>
+            </a:r>
+          </a:p>
+          <a:p>
+            <a:r>
+              <a:rPr lang="en-US" sz="2400" b="1" dirty="0">
+                <a:latin typeface="Courier New" panose="02070309020205020404" pitchFamily="49" charset="0"/>
+                <a:cs typeface="Courier New" panose="02070309020205020404" pitchFamily="49" charset="0"/>
+              </a:rPr>
+              <a:t>TAGAC (8,17)</a:t>
+            </a:r>
+          </a:p>
+          <a:p>
+            <a:r>
+              <a:rPr lang="en-US" sz="2400" b="1" dirty="0">
+                <a:latin typeface="Courier New" panose="02070309020205020404" pitchFamily="49" charset="0"/>
+                <a:cs typeface="Courier New" panose="02070309020205020404" pitchFamily="49" charset="0"/>
+              </a:rPr>
+              <a:t>AGACA (9)</a:t>
+            </a:r>
+          </a:p>
+          <a:p>
+            <a:r>
+              <a:rPr lang="en-US" sz="2400" b="1" dirty="0">
+                <a:latin typeface="Courier New" panose="02070309020205020404" pitchFamily="49" charset="0"/>
+                <a:cs typeface="Courier New" panose="02070309020205020404" pitchFamily="49" charset="0"/>
+              </a:rPr>
+              <a:t>GACAA (10)</a:t>
+            </a:r>
+          </a:p>
+          <a:p>
+            <a:r>
+              <a:rPr lang="en-US" sz="2400" b="1" dirty="0">
+                <a:latin typeface="Courier New" panose="02070309020205020404" pitchFamily="49" charset="0"/>
+                <a:cs typeface="Courier New" panose="02070309020205020404" pitchFamily="49" charset="0"/>
+              </a:rPr>
+              <a:t>ACAAC (11)</a:t>
+            </a:r>
+          </a:p>
+          <a:p>
+            <a:r>
+              <a:rPr lang="en-US" sz="2400" b="1" dirty="0">
+                <a:latin typeface="Courier New" panose="02070309020205020404" pitchFamily="49" charset="0"/>
+                <a:cs typeface="Courier New" panose="02070309020205020404" pitchFamily="49" charset="0"/>
+              </a:rPr>
+              <a:t>CAACA (12)</a:t>
+            </a:r>
+          </a:p>
+          <a:p>
+            <a:r>
+              <a:rPr lang="en-US" sz="2400" b="1" dirty="0">
+                <a:latin typeface="Courier New" panose="02070309020205020404" pitchFamily="49" charset="0"/>
+                <a:cs typeface="Courier New" panose="02070309020205020404" pitchFamily="49" charset="0"/>
+              </a:rPr>
+              <a:t>AACAT (13)</a:t>
+            </a:r>
+          </a:p>
+          <a:p>
+            <a:r>
+              <a:rPr lang="en-US" sz="2400" b="1" dirty="0">
+                <a:latin typeface="Courier New" panose="02070309020205020404" pitchFamily="49" charset="0"/>
+                <a:cs typeface="Courier New" panose="02070309020205020404" pitchFamily="49" charset="0"/>
+              </a:rPr>
+              <a:t>ACATA (14)</a:t>
+            </a:r>
+          </a:p>
+          <a:p>
+            <a:r>
+              <a:rPr lang="en-US" sz="2400" b="1" dirty="0">
+                <a:latin typeface="Courier New" panose="02070309020205020404" pitchFamily="49" charset="0"/>
+                <a:cs typeface="Courier New" panose="02070309020205020404" pitchFamily="49" charset="0"/>
+              </a:rPr>
+              <a:t>CATAG (15)</a:t>
+            </a:r>
+          </a:p>
+          <a:p>
+            <a:r>
+              <a:rPr lang="en-US" sz="2400" b="1" dirty="0">
+                <a:latin typeface="Courier New" panose="02070309020205020404" pitchFamily="49" charset="0"/>
+                <a:cs typeface="Courier New" panose="02070309020205020404" pitchFamily="49" charset="0"/>
+              </a:rPr>
+              <a:t>AGACT (18)</a:t>
             </a:r>
           </a:p>
         </p:txBody>
@@ -16131,10 +16175,10 @@
       </p:sp>
       <p:sp>
         <p:nvSpPr>
-          <p:cNvPr id="7" name="TextBox 6">
-            <a:extLst>
-              <a:ext uri="{FF2B5EF4-FFF2-40B4-BE49-F238E27FC236}">
-                <a16:creationId xmlns:a16="http://schemas.microsoft.com/office/drawing/2014/main" id="{D878A76C-45EE-8348-005F-99E77A84842A}"/>
+          <p:cNvPr id="3" name="TextBox 2">
+            <a:extLst>
+              <a:ext uri="{FF2B5EF4-FFF2-40B4-BE49-F238E27FC236}">
+                <a16:creationId xmlns:a16="http://schemas.microsoft.com/office/drawing/2014/main" id="{40FB7C42-764C-F5ED-BA2E-5F37CAACA1FF}"/>
               </a:ext>
             </a:extLst>
           </p:cNvPr>
@@ -16143,8 +16187,8 @@
         </p:nvSpPr>
         <p:spPr>
           <a:xfrm>
-            <a:off x="1487046" y="1275934"/>
-            <a:ext cx="4608954" cy="5262979"/>
+            <a:off x="8405364" y="1774447"/>
+            <a:ext cx="2852063" cy="1384995"/>
           </a:xfrm>
           <a:prstGeom prst="rect">
             <a:avLst/>
@@ -16158,178 +16202,65 @@
           <a:lstStyle/>
           <a:p>
             <a:r>
-              <a:rPr lang="en-US" sz="2400" b="1" dirty="0">
-                <a:latin typeface="Courier New" panose="02070309020205020404" pitchFamily="49" charset="0"/>
-                <a:cs typeface="Courier New" panose="02070309020205020404" pitchFamily="49" charset="0"/>
-              </a:rPr>
-              <a:t>  AGATAGATAGACAACATAGACT</a:t>
-            </a:r>
-          </a:p>
-          <a:p>
-            <a:r>
-              <a:rPr lang="en-US" sz="2400" b="1" dirty="0">
+              <a:rPr lang="en-US" sz="2800" b="1" dirty="0">
                 <a:solidFill>
                   <a:srgbClr val="00B0F0"/>
                 </a:solidFill>
                 <a:latin typeface="Courier New" panose="02070309020205020404" pitchFamily="49" charset="0"/>
                 <a:cs typeface="Courier New" panose="02070309020205020404" pitchFamily="49" charset="0"/>
               </a:rPr>
-              <a:t>AGATA</a:t>
-            </a:r>
-            <a:r>
-              <a:rPr lang="en-US" sz="2400" b="1" dirty="0">
-                <a:latin typeface="Courier New" panose="02070309020205020404" pitchFamily="49" charset="0"/>
-                <a:cs typeface="Courier New" panose="02070309020205020404" pitchFamily="49" charset="0"/>
-              </a:rPr>
-              <a:t> (1,5)</a:t>
-            </a:r>
-          </a:p>
-          <a:p>
-            <a:r>
-              <a:rPr lang="en-US" sz="2400" b="1" dirty="0">
-                <a:solidFill>
-                  <a:srgbClr val="00B0F0"/>
-                </a:solidFill>
-                <a:latin typeface="Courier New" panose="02070309020205020404" pitchFamily="49" charset="0"/>
-                <a:cs typeface="Courier New" panose="02070309020205020404" pitchFamily="49" charset="0"/>
-              </a:rPr>
-              <a:t>GATAG</a:t>
-            </a:r>
-            <a:r>
-              <a:rPr lang="en-US" sz="2400" b="1" dirty="0">
-                <a:latin typeface="Courier New" panose="02070309020205020404" pitchFamily="49" charset="0"/>
-                <a:cs typeface="Courier New" panose="02070309020205020404" pitchFamily="49" charset="0"/>
-              </a:rPr>
-              <a:t> (2)</a:t>
-            </a:r>
-          </a:p>
-          <a:p>
-            <a:r>
-              <a:rPr lang="en-US" sz="2400" b="1" dirty="0">
-                <a:latin typeface="Courier New" panose="02070309020205020404" pitchFamily="49" charset="0"/>
-                <a:cs typeface="Courier New" panose="02070309020205020404" pitchFamily="49" charset="0"/>
-              </a:rPr>
-              <a:t>ATAGA (3,7,15)</a:t>
-            </a:r>
-          </a:p>
-          <a:p>
-            <a:r>
-              <a:rPr lang="en-US" sz="2400" b="1" dirty="0">
-                <a:latin typeface="Courier New" panose="02070309020205020404" pitchFamily="49" charset="0"/>
-                <a:cs typeface="Courier New" panose="02070309020205020404" pitchFamily="49" charset="0"/>
-              </a:rPr>
-              <a:t>TAGAT (4)</a:t>
-            </a:r>
-          </a:p>
-          <a:p>
-            <a:r>
-              <a:rPr lang="en-US" sz="2400" b="1" dirty="0">
-                <a:latin typeface="Courier New" panose="02070309020205020404" pitchFamily="49" charset="0"/>
-                <a:cs typeface="Courier New" panose="02070309020205020404" pitchFamily="49" charset="0"/>
-              </a:rPr>
-              <a:t>GATAG (6)</a:t>
-            </a:r>
-          </a:p>
-          <a:p>
-            <a:r>
-              <a:rPr lang="en-US" sz="2400" b="1" dirty="0">
-                <a:latin typeface="Courier New" panose="02070309020205020404" pitchFamily="49" charset="0"/>
-                <a:cs typeface="Courier New" panose="02070309020205020404" pitchFamily="49" charset="0"/>
-              </a:rPr>
-              <a:t>TAGAC (8,16)</a:t>
-            </a:r>
-          </a:p>
-          <a:p>
-            <a:r>
-              <a:rPr lang="en-US" sz="2400" b="1" dirty="0">
-                <a:latin typeface="Courier New" panose="02070309020205020404" pitchFamily="49" charset="0"/>
-                <a:cs typeface="Courier New" panose="02070309020205020404" pitchFamily="49" charset="0"/>
-              </a:rPr>
-              <a:t>AGACA (9)</a:t>
-            </a:r>
-          </a:p>
-          <a:p>
-            <a:r>
-              <a:rPr lang="en-US" sz="2400" b="1" dirty="0">
-                <a:latin typeface="Courier New" panose="02070309020205020404" pitchFamily="49" charset="0"/>
-                <a:cs typeface="Courier New" panose="02070309020205020404" pitchFamily="49" charset="0"/>
-              </a:rPr>
-              <a:t>GACAA (10)</a:t>
-            </a:r>
-          </a:p>
-          <a:p>
-            <a:r>
-              <a:rPr lang="en-US" sz="2400" b="1" dirty="0">
-                <a:solidFill>
-                  <a:srgbClr val="7030A0"/>
-                </a:solidFill>
-                <a:latin typeface="Courier New" panose="02070309020205020404" pitchFamily="49" charset="0"/>
-                <a:cs typeface="Courier New" panose="02070309020205020404" pitchFamily="49" charset="0"/>
-              </a:rPr>
-              <a:t>ACAAC</a:t>
-            </a:r>
-            <a:r>
-              <a:rPr lang="en-US" sz="2400" b="1" dirty="0">
-                <a:latin typeface="Courier New" panose="02070309020205020404" pitchFamily="49" charset="0"/>
-                <a:cs typeface="Courier New" panose="02070309020205020404" pitchFamily="49" charset="0"/>
-              </a:rPr>
-              <a:t> (11)</a:t>
-            </a:r>
-          </a:p>
-          <a:p>
-            <a:r>
-              <a:rPr lang="en-US" sz="2400" b="1" dirty="0">
-                <a:latin typeface="Courier New" panose="02070309020205020404" pitchFamily="49" charset="0"/>
-                <a:cs typeface="Courier New" panose="02070309020205020404" pitchFamily="49" charset="0"/>
-              </a:rPr>
-              <a:t>CAACA (12)</a:t>
-            </a:r>
-          </a:p>
-          <a:p>
-            <a:r>
-              <a:rPr lang="en-US" sz="2400" b="1" dirty="0">
-                <a:latin typeface="Courier New" panose="02070309020205020404" pitchFamily="49" charset="0"/>
-                <a:cs typeface="Courier New" panose="02070309020205020404" pitchFamily="49" charset="0"/>
-              </a:rPr>
-              <a:t>ACATA (13)</a:t>
-            </a:r>
-          </a:p>
-          <a:p>
-            <a:r>
-              <a:rPr lang="en-US" sz="2400" b="1" dirty="0">
-                <a:latin typeface="Courier New" panose="02070309020205020404" pitchFamily="49" charset="0"/>
-                <a:cs typeface="Courier New" panose="02070309020205020404" pitchFamily="49" charset="0"/>
-              </a:rPr>
-              <a:t>CATAG (14)</a:t>
-            </a:r>
-          </a:p>
-          <a:p>
-            <a:r>
-              <a:rPr lang="en-US" sz="2400" b="1" dirty="0">
-                <a:solidFill>
-                  <a:srgbClr val="00B050"/>
-                </a:solidFill>
-                <a:latin typeface="Courier New" panose="02070309020205020404" pitchFamily="49" charset="0"/>
-                <a:cs typeface="Courier New" panose="02070309020205020404" pitchFamily="49" charset="0"/>
-              </a:rPr>
-              <a:t>AGACT</a:t>
-            </a:r>
-            <a:r>
-              <a:rPr lang="en-US" sz="2400" b="1" dirty="0">
-                <a:latin typeface="Courier New" panose="02070309020205020404" pitchFamily="49" charset="0"/>
-                <a:cs typeface="Courier New" panose="02070309020205020404" pitchFamily="49" charset="0"/>
-              </a:rPr>
-              <a:t> (17)</a:t>
-            </a:r>
-          </a:p>
-        </p:txBody>
-      </p:sp>
-      <p:sp>
-        <p:nvSpPr>
-          <p:cNvPr id="3" name="TextBox 2">
-            <a:extLst>
-              <a:ext uri="{FF2B5EF4-FFF2-40B4-BE49-F238E27FC236}">
-                <a16:creationId xmlns:a16="http://schemas.microsoft.com/office/drawing/2014/main" id="{40FB7C42-764C-F5ED-BA2E-5F37CAACA1FF}"/>
+              <a:t>AGATAG</a:t>
+            </a:r>
+            <a:r>
+              <a:rPr lang="en-US" sz="2800" b="1" dirty="0">
+                <a:latin typeface="Courier New" panose="02070309020205020404" pitchFamily="49" charset="0"/>
+                <a:cs typeface="Courier New" panose="02070309020205020404" pitchFamily="49" charset="0"/>
+              </a:rPr>
+              <a:t>A</a:t>
+            </a:r>
+            <a:r>
+              <a:rPr lang="en-US" sz="2800" b="1" dirty="0">
+                <a:solidFill>
+                  <a:srgbClr val="FF0000"/>
+                </a:solidFill>
+                <a:latin typeface="Courier New" panose="02070309020205020404" pitchFamily="49" charset="0"/>
+                <a:cs typeface="Courier New" panose="02070309020205020404" pitchFamily="49" charset="0"/>
+              </a:rPr>
+              <a:t>A</a:t>
+            </a:r>
+            <a:r>
+              <a:rPr lang="en-US" sz="2800" b="1" dirty="0">
+                <a:latin typeface="Courier New" panose="02070309020205020404" pitchFamily="49" charset="0"/>
+                <a:cs typeface="Courier New" panose="02070309020205020404" pitchFamily="49" charset="0"/>
+              </a:rPr>
+              <a:t>A</a:t>
+            </a:r>
+          </a:p>
+          <a:p>
+            <a:r>
+              <a:rPr lang="en-US" sz="2800" b="1" dirty="0">
+                <a:cs typeface="Courier New" panose="02070309020205020404" pitchFamily="49" charset="0"/>
+              </a:rPr>
+              <a:t>Implied positions:</a:t>
+            </a:r>
+          </a:p>
+          <a:p>
+            <a:r>
+              <a:rPr lang="en-US" sz="2800" b="1" dirty="0">
+                <a:latin typeface="Courier New" panose="02070309020205020404" pitchFamily="49" charset="0"/>
+                <a:cs typeface="Courier New" panose="02070309020205020404" pitchFamily="49" charset="0"/>
+              </a:rPr>
+              <a:t>1,1,5</a:t>
+            </a:r>
+          </a:p>
+        </p:txBody>
+      </p:sp>
+      <p:sp>
+        <p:nvSpPr>
+          <p:cNvPr id="5" name="TextBox 4">
+            <a:extLst>
+              <a:ext uri="{FF2B5EF4-FFF2-40B4-BE49-F238E27FC236}">
+                <a16:creationId xmlns:a16="http://schemas.microsoft.com/office/drawing/2014/main" id="{66FC5A99-BE90-C167-D83A-0082042FEEC0}"/>
               </a:ext>
             </a:extLst>
           </p:cNvPr>
@@ -16338,8 +16269,8 @@
         </p:nvSpPr>
         <p:spPr>
           <a:xfrm>
-            <a:off x="8405364" y="1774447"/>
-            <a:ext cx="2709396" cy="1384995"/>
+            <a:off x="8405364" y="4673889"/>
+            <a:ext cx="2852063" cy="1384995"/>
           </a:xfrm>
           <a:prstGeom prst="rect">
             <a:avLst/>
@@ -16354,64 +16285,57 @@
           <a:p>
             <a:r>
               <a:rPr lang="en-US" sz="2800" b="1" dirty="0">
-                <a:solidFill>
-                  <a:srgbClr val="00B0F0"/>
-                </a:solidFill>
-                <a:latin typeface="Courier New" panose="02070309020205020404" pitchFamily="49" charset="0"/>
-                <a:cs typeface="Courier New" panose="02070309020205020404" pitchFamily="49" charset="0"/>
-              </a:rPr>
-              <a:t>AGATAG</a:t>
+                <a:latin typeface="Courier New" panose="02070309020205020404" pitchFamily="49" charset="0"/>
+                <a:cs typeface="Courier New" panose="02070309020205020404" pitchFamily="49" charset="0"/>
+              </a:rPr>
+              <a:t>ATA</a:t>
             </a:r>
             <a:r>
               <a:rPr lang="en-US" sz="2800" b="1" dirty="0">
-                <a:latin typeface="Courier New" panose="02070309020205020404" pitchFamily="49" charset="0"/>
-                <a:cs typeface="Courier New" panose="02070309020205020404" pitchFamily="49" charset="0"/>
-              </a:rPr>
-              <a:t>A</a:t>
+                <a:solidFill>
+                  <a:srgbClr val="FF0000"/>
+                </a:solidFill>
+                <a:latin typeface="Courier New" panose="02070309020205020404" pitchFamily="49" charset="0"/>
+                <a:cs typeface="Courier New" panose="02070309020205020404" pitchFamily="49" charset="0"/>
+              </a:rPr>
+              <a:t>C</a:t>
             </a:r>
             <a:r>
               <a:rPr lang="en-US" sz="2800" b="1" dirty="0">
                 <a:solidFill>
-                  <a:srgbClr val="FF0000"/>
-                </a:solidFill>
-                <a:latin typeface="Courier New" panose="02070309020205020404" pitchFamily="49" charset="0"/>
-                <a:cs typeface="Courier New" panose="02070309020205020404" pitchFamily="49" charset="0"/>
-              </a:rPr>
-              <a:t>A</a:t>
-            </a:r>
+                  <a:srgbClr val="7030A0"/>
+                </a:solidFill>
+                <a:latin typeface="Courier New" panose="02070309020205020404" pitchFamily="49" charset="0"/>
+                <a:cs typeface="Courier New" panose="02070309020205020404" pitchFamily="49" charset="0"/>
+              </a:rPr>
+              <a:t>ACAAC</a:t>
+            </a:r>
+          </a:p>
+          <a:p>
             <a:r>
               <a:rPr lang="en-US" sz="2800" b="1" dirty="0">
-                <a:latin typeface="Courier New" panose="02070309020205020404" pitchFamily="49" charset="0"/>
-                <a:cs typeface="Courier New" panose="02070309020205020404" pitchFamily="49" charset="0"/>
-              </a:rPr>
-              <a:t>A</a:t>
+                <a:cs typeface="Courier New" panose="02070309020205020404" pitchFamily="49" charset="0"/>
+              </a:rPr>
+              <a:t>Implied positions:</a:t>
             </a:r>
           </a:p>
           <a:p>
             <a:r>
               <a:rPr lang="en-US" sz="2800" b="1" dirty="0">
-                <a:cs typeface="Courier New" panose="02070309020205020404" pitchFamily="49" charset="0"/>
-              </a:rPr>
-              <a:t>Implied position:</a:t>
-            </a:r>
-          </a:p>
-          <a:p>
-            <a:r>
-              <a:rPr lang="en-US" sz="2800" b="1" dirty="0">
-                <a:latin typeface="Courier New" panose="02070309020205020404" pitchFamily="49" charset="0"/>
-                <a:cs typeface="Courier New" panose="02070309020205020404" pitchFamily="49" charset="0"/>
-              </a:rPr>
-              <a:t>1,1,5</a:t>
-            </a:r>
-          </a:p>
-        </p:txBody>
-      </p:sp>
-      <p:sp>
-        <p:nvSpPr>
-          <p:cNvPr id="5" name="TextBox 4">
-            <a:extLst>
-              <a:ext uri="{FF2B5EF4-FFF2-40B4-BE49-F238E27FC236}">
-                <a16:creationId xmlns:a16="http://schemas.microsoft.com/office/drawing/2014/main" id="{66FC5A99-BE90-C167-D83A-0082042FEEC0}"/>
+                <a:latin typeface="Courier New" panose="02070309020205020404" pitchFamily="49" charset="0"/>
+                <a:cs typeface="Courier New" panose="02070309020205020404" pitchFamily="49" charset="0"/>
+              </a:rPr>
+              <a:t>7</a:t>
+            </a:r>
+          </a:p>
+        </p:txBody>
+      </p:sp>
+      <p:sp>
+        <p:nvSpPr>
+          <p:cNvPr id="6" name="TextBox 5">
+            <a:extLst>
+              <a:ext uri="{FF2B5EF4-FFF2-40B4-BE49-F238E27FC236}">
+                <a16:creationId xmlns:a16="http://schemas.microsoft.com/office/drawing/2014/main" id="{BF5A72E8-1D6A-2170-A5C2-1ED2FD98045C}"/>
               </a:ext>
             </a:extLst>
           </p:cNvPr>
@@ -16420,8 +16344,8 @@
         </p:nvSpPr>
         <p:spPr>
           <a:xfrm>
-            <a:off x="8405364" y="4673889"/>
-            <a:ext cx="2709396" cy="1384995"/>
+            <a:off x="8405364" y="3195299"/>
+            <a:ext cx="2852063" cy="1384995"/>
           </a:xfrm>
           <a:prstGeom prst="rect">
             <a:avLst/>
@@ -16439,7 +16363,7 @@
                 <a:latin typeface="Courier New" panose="02070309020205020404" pitchFamily="49" charset="0"/>
                 <a:cs typeface="Courier New" panose="02070309020205020404" pitchFamily="49" charset="0"/>
               </a:rPr>
-              <a:t>ATA</a:t>
+              <a:t>CA</a:t>
             </a:r>
             <a:r>
               <a:rPr lang="en-US" sz="2800" b="1" dirty="0">
@@ -16454,12 +16378,12 @@
             <a:r>
               <a:rPr lang="en-US" sz="2800" b="1" dirty="0">
                 <a:solidFill>
-                  <a:srgbClr val="7030A0"/>
-                </a:solidFill>
-                <a:latin typeface="Courier New" panose="02070309020205020404" pitchFamily="49" charset="0"/>
-                <a:cs typeface="Courier New" panose="02070309020205020404" pitchFamily="49" charset="0"/>
-              </a:rPr>
-              <a:t>ACAAC</a:t>
+                  <a:srgbClr val="00B050"/>
+                </a:solidFill>
+                <a:latin typeface="Courier New" panose="02070309020205020404" pitchFamily="49" charset="0"/>
+                <a:cs typeface="Courier New" panose="02070309020205020404" pitchFamily="49" charset="0"/>
+              </a:rPr>
+              <a:t>AGACT</a:t>
             </a:r>
           </a:p>
           <a:p>
@@ -16467,26 +16391,25 @@
               <a:rPr lang="en-US" sz="2800" b="1" dirty="0">
                 <a:cs typeface="Courier New" panose="02070309020205020404" pitchFamily="49" charset="0"/>
               </a:rPr>
-              <a:t>Implied position:</a:t>
+              <a:t>Implied positions:</a:t>
             </a:r>
           </a:p>
           <a:p>
             <a:r>
               <a:rPr lang="en-US" sz="2800" b="1" dirty="0">
-                <a:latin typeface="Courier New" panose="02070309020205020404" pitchFamily="49" charset="0"/>
-                <a:cs typeface="Courier New" panose="02070309020205020404" pitchFamily="49" charset="0"/>
-              </a:rPr>
-              <a:t>7</a:t>
-            </a:r>
-          </a:p>
-        </p:txBody>
-      </p:sp>
-      <p:sp>
-        <p:nvSpPr>
-          <p:cNvPr id="6" name="TextBox 5">
-            <a:extLst>
-              <a:ext uri="{FF2B5EF4-FFF2-40B4-BE49-F238E27FC236}">
-                <a16:creationId xmlns:a16="http://schemas.microsoft.com/office/drawing/2014/main" id="{BF5A72E8-1D6A-2170-A5C2-1ED2FD98045C}"/>
+                <a:cs typeface="Courier New" panose="02070309020205020404" pitchFamily="49" charset="0"/>
+              </a:rPr>
+              <a:t>15</a:t>
+            </a:r>
+          </a:p>
+        </p:txBody>
+      </p:sp>
+      <p:sp>
+        <p:nvSpPr>
+          <p:cNvPr id="8" name="TextBox 7">
+            <a:extLst>
+              <a:ext uri="{FF2B5EF4-FFF2-40B4-BE49-F238E27FC236}">
+                <a16:creationId xmlns:a16="http://schemas.microsoft.com/office/drawing/2014/main" id="{CFBDBE79-EE3F-98FA-4C8A-E4513049DB3E}"/>
               </a:ext>
             </a:extLst>
           </p:cNvPr>
@@ -16495,8 +16418,8 @@
         </p:nvSpPr>
         <p:spPr>
           <a:xfrm>
-            <a:off x="8405364" y="3195299"/>
-            <a:ext cx="2709396" cy="1384995"/>
+            <a:off x="1394964" y="1322164"/>
+            <a:ext cx="4608954" cy="5632311"/>
           </a:xfrm>
           <a:prstGeom prst="rect">
             <a:avLst/>
@@ -16510,48 +16433,137 @@
           <a:lstStyle/>
           <a:p>
             <a:r>
-              <a:rPr lang="en-US" sz="2800" b="1" dirty="0">
-                <a:latin typeface="Courier New" panose="02070309020205020404" pitchFamily="49" charset="0"/>
-                <a:cs typeface="Courier New" panose="02070309020205020404" pitchFamily="49" charset="0"/>
-              </a:rPr>
-              <a:t>CA</a:t>
-            </a:r>
-            <a:r>
-              <a:rPr lang="en-US" sz="2800" b="1" dirty="0">
-                <a:solidFill>
-                  <a:srgbClr val="FF0000"/>
-                </a:solidFill>
-                <a:latin typeface="Courier New" panose="02070309020205020404" pitchFamily="49" charset="0"/>
-                <a:cs typeface="Courier New" panose="02070309020205020404" pitchFamily="49" charset="0"/>
-              </a:rPr>
-              <a:t>T</a:t>
-            </a:r>
-            <a:r>
-              <a:rPr lang="en-US" sz="2800" b="1" dirty="0">
-                <a:solidFill>
-                  <a:srgbClr val="00B050"/>
-                </a:solidFill>
-                <a:latin typeface="Courier New" panose="02070309020205020404" pitchFamily="49" charset="0"/>
-                <a:cs typeface="Courier New" panose="02070309020205020404" pitchFamily="49" charset="0"/>
-              </a:rPr>
-              <a:t>AGACT</a:t>
-            </a:r>
-          </a:p>
-          <a:p>
-            <a:r>
-              <a:rPr lang="en-US" sz="2800" b="1" dirty="0">
-                <a:cs typeface="Courier New" panose="02070309020205020404" pitchFamily="49" charset="0"/>
-              </a:rPr>
-              <a:t>Implied position:</a:t>
-            </a:r>
-          </a:p>
-          <a:p>
-            <a:r>
-              <a:rPr lang="en-US" sz="2800" b="1" dirty="0">
-                <a:latin typeface="Courier New" panose="02070309020205020404" pitchFamily="49" charset="0"/>
-                <a:cs typeface="Courier New" panose="02070309020205020404" pitchFamily="49" charset="0"/>
-              </a:rPr>
-              <a:t>15</a:t>
+              <a:rPr lang="en-US" sz="2400" b="1" dirty="0">
+                <a:latin typeface="Courier New" panose="02070309020205020404" pitchFamily="49" charset="0"/>
+                <a:cs typeface="Courier New" panose="02070309020205020404" pitchFamily="49" charset="0"/>
+              </a:rPr>
+              <a:t>  AGATAGATAGACAACATAGACT</a:t>
+            </a:r>
+          </a:p>
+          <a:p>
+            <a:r>
+              <a:rPr lang="en-US" sz="2400" b="1" dirty="0">
+                <a:latin typeface="Courier New" panose="02070309020205020404" pitchFamily="49" charset="0"/>
+                <a:cs typeface="Courier New" panose="02070309020205020404" pitchFamily="49" charset="0"/>
+              </a:rPr>
+              <a:t>AGATA (1,5)</a:t>
+            </a:r>
+          </a:p>
+          <a:p>
+            <a:r>
+              <a:rPr lang="en-US" sz="2400" b="1" dirty="0">
+                <a:latin typeface="Courier New" panose="02070309020205020404" pitchFamily="49" charset="0"/>
+                <a:cs typeface="Courier New" panose="02070309020205020404" pitchFamily="49" charset="0"/>
+              </a:rPr>
+              <a:t>GATAG (2)</a:t>
+            </a:r>
+          </a:p>
+          <a:p>
+            <a:r>
+              <a:rPr lang="en-US" sz="2400" b="1" dirty="0">
+                <a:latin typeface="Courier New" panose="02070309020205020404" pitchFamily="49" charset="0"/>
+                <a:cs typeface="Courier New" panose="02070309020205020404" pitchFamily="49" charset="0"/>
+              </a:rPr>
+              <a:t>ATAGA (3,7,16)</a:t>
+            </a:r>
+          </a:p>
+          <a:p>
+            <a:r>
+              <a:rPr lang="en-US" sz="2400" b="1" dirty="0">
+                <a:latin typeface="Courier New" panose="02070309020205020404" pitchFamily="49" charset="0"/>
+                <a:cs typeface="Courier New" panose="02070309020205020404" pitchFamily="49" charset="0"/>
+              </a:rPr>
+              <a:t>TAGAT (4)</a:t>
+            </a:r>
+          </a:p>
+          <a:p>
+            <a:r>
+              <a:rPr lang="en-US" sz="2400" b="1" dirty="0">
+                <a:latin typeface="Courier New" panose="02070309020205020404" pitchFamily="49" charset="0"/>
+                <a:cs typeface="Courier New" panose="02070309020205020404" pitchFamily="49" charset="0"/>
+              </a:rPr>
+              <a:t>GATAG (6)</a:t>
+            </a:r>
+          </a:p>
+          <a:p>
+            <a:r>
+              <a:rPr lang="en-US" sz="2400" b="1" dirty="0">
+                <a:latin typeface="Courier New" panose="02070309020205020404" pitchFamily="49" charset="0"/>
+                <a:cs typeface="Courier New" panose="02070309020205020404" pitchFamily="49" charset="0"/>
+              </a:rPr>
+              <a:t>TAGAC (8,17)</a:t>
+            </a:r>
+          </a:p>
+          <a:p>
+            <a:r>
+              <a:rPr lang="en-US" sz="2400" b="1" dirty="0">
+                <a:latin typeface="Courier New" panose="02070309020205020404" pitchFamily="49" charset="0"/>
+                <a:cs typeface="Courier New" panose="02070309020205020404" pitchFamily="49" charset="0"/>
+              </a:rPr>
+              <a:t>AGACA (9)</a:t>
+            </a:r>
+          </a:p>
+          <a:p>
+            <a:r>
+              <a:rPr lang="en-US" sz="2400" b="1" dirty="0">
+                <a:latin typeface="Courier New" panose="02070309020205020404" pitchFamily="49" charset="0"/>
+                <a:cs typeface="Courier New" panose="02070309020205020404" pitchFamily="49" charset="0"/>
+              </a:rPr>
+              <a:t>GACAA (10)</a:t>
+            </a:r>
+          </a:p>
+          <a:p>
+            <a:r>
+              <a:rPr lang="en-US" sz="2400" b="1" dirty="0">
+                <a:latin typeface="Courier New" panose="02070309020205020404" pitchFamily="49" charset="0"/>
+                <a:cs typeface="Courier New" panose="02070309020205020404" pitchFamily="49" charset="0"/>
+              </a:rPr>
+              <a:t>ACAAC (11)</a:t>
+            </a:r>
+          </a:p>
+          <a:p>
+            <a:r>
+              <a:rPr lang="en-US" sz="2400" b="1" dirty="0">
+                <a:latin typeface="Courier New" panose="02070309020205020404" pitchFamily="49" charset="0"/>
+                <a:cs typeface="Courier New" panose="02070309020205020404" pitchFamily="49" charset="0"/>
+              </a:rPr>
+              <a:t>CAACA (12)</a:t>
+            </a:r>
+          </a:p>
+          <a:p>
+            <a:r>
+              <a:rPr lang="en-US" sz="2400" b="1" dirty="0">
+                <a:latin typeface="Courier New" panose="02070309020205020404" pitchFamily="49" charset="0"/>
+                <a:cs typeface="Courier New" panose="02070309020205020404" pitchFamily="49" charset="0"/>
+              </a:rPr>
+              <a:t>AACAT (13)</a:t>
+            </a:r>
+          </a:p>
+          <a:p>
+            <a:r>
+              <a:rPr lang="en-US" sz="2400" b="1" dirty="0">
+                <a:latin typeface="Courier New" panose="02070309020205020404" pitchFamily="49" charset="0"/>
+                <a:cs typeface="Courier New" panose="02070309020205020404" pitchFamily="49" charset="0"/>
+              </a:rPr>
+              <a:t>ACATA (14)</a:t>
+            </a:r>
+          </a:p>
+          <a:p>
+            <a:r>
+              <a:rPr lang="en-US" sz="2400" b="1" dirty="0">
+                <a:latin typeface="Courier New" panose="02070309020205020404" pitchFamily="49" charset="0"/>
+                <a:cs typeface="Courier New" panose="02070309020205020404" pitchFamily="49" charset="0"/>
+              </a:rPr>
+              <a:t>CATAG (15)</a:t>
+            </a:r>
+          </a:p>
+          <a:p>
+            <a:r>
+              <a:rPr lang="en-US" sz="2400" b="1" dirty="0">
+                <a:latin typeface="Courier New" panose="02070309020205020404" pitchFamily="49" charset="0"/>
+                <a:cs typeface="Courier New" panose="02070309020205020404" pitchFamily="49" charset="0"/>
+              </a:rPr>
+              <a:t>AGACT (18)</a:t>
             </a:r>
           </a:p>
         </p:txBody>

--- a/Week 2 Friday September 5.pptx
+++ b/Week 2 Friday September 5.pptx
@@ -155,7 +155,7 @@
 <file path=ppt/revisionInfo.xml><?xml version="1.0" encoding="utf-8"?>
 <p1510:revInfo xmlns:a="http://schemas.openxmlformats.org/drawingml/2006/main" xmlns:r="http://schemas.openxmlformats.org/officeDocument/2006/relationships" xmlns:p1510="http://schemas.microsoft.com/office/powerpoint/2015/10/main">
   <p1510:revLst>
-    <p1510:client id="{AEAE18FB-4B38-4D54-A2EB-8536E9766552}" v="2" dt="2025-09-05T18:08:14.035"/>
+    <p1510:client id="{AEAE18FB-4B38-4D54-A2EB-8536E9766552}" v="14" dt="2025-09-09T20:47:40.177"/>
   </p1510:revLst>
 </p1510:revInfo>
 </file>
@@ -790,6 +790,347 @@
       </pc:sldChg>
     </pc:docChg>
   </pc:docChgLst>
+  <pc:docChgLst>
+    <pc:chgData name="Aleksey Zimin" userId="7f2637d0bc515791" providerId="LiveId" clId="{8553A319-8433-4677-8F80-E28D63617D4C}"/>
+    <pc:docChg chg="undo custSel modSld">
+      <pc:chgData name="Aleksey Zimin" userId="7f2637d0bc515791" providerId="LiveId" clId="{8553A319-8433-4677-8F80-E28D63617D4C}" dt="2025-09-09T20:47:47.091" v="58" actId="1076"/>
+      <pc:docMkLst>
+        <pc:docMk/>
+      </pc:docMkLst>
+      <pc:sldChg chg="addSp delSp modSp mod">
+        <pc:chgData name="Aleksey Zimin" userId="7f2637d0bc515791" providerId="LiveId" clId="{8553A319-8433-4677-8F80-E28D63617D4C}" dt="2025-09-09T20:42:10.993" v="7" actId="167"/>
+        <pc:sldMkLst>
+          <pc:docMk/>
+          <pc:sldMk cId="244634782" sldId="515"/>
+        </pc:sldMkLst>
+        <pc:picChg chg="add mod ord">
+          <ac:chgData name="Aleksey Zimin" userId="7f2637d0bc515791" providerId="LiveId" clId="{8553A319-8433-4677-8F80-E28D63617D4C}" dt="2025-09-09T20:42:10.993" v="7" actId="167"/>
+          <ac:picMkLst>
+            <pc:docMk/>
+            <pc:sldMk cId="244634782" sldId="515"/>
+            <ac:picMk id="5" creationId="{95F881EA-AE90-223D-2275-207A35A87ABE}"/>
+          </ac:picMkLst>
+        </pc:picChg>
+        <pc:picChg chg="del">
+          <ac:chgData name="Aleksey Zimin" userId="7f2637d0bc515791" providerId="LiveId" clId="{8553A319-8433-4677-8F80-E28D63617D4C}" dt="2025-09-09T20:42:05.957" v="5" actId="478"/>
+          <ac:picMkLst>
+            <pc:docMk/>
+            <pc:sldMk cId="244634782" sldId="515"/>
+            <ac:picMk id="9" creationId="{5A146C3D-9D0F-B8A8-2B81-364170397C22}"/>
+          </ac:picMkLst>
+        </pc:picChg>
+      </pc:sldChg>
+      <pc:sldChg chg="addSp delSp modSp mod">
+        <pc:chgData name="Aleksey Zimin" userId="7f2637d0bc515791" providerId="LiveId" clId="{8553A319-8433-4677-8F80-E28D63617D4C}" dt="2025-09-09T20:47:27.555" v="54" actId="14100"/>
+        <pc:sldMkLst>
+          <pc:docMk/>
+          <pc:sldMk cId="3390149621" sldId="523"/>
+        </pc:sldMkLst>
+        <pc:spChg chg="add del">
+          <ac:chgData name="Aleksey Zimin" userId="7f2637d0bc515791" providerId="LiveId" clId="{8553A319-8433-4677-8F80-E28D63617D4C}" dt="2025-09-09T20:47:10.738" v="50" actId="478"/>
+          <ac:spMkLst>
+            <pc:docMk/>
+            <pc:sldMk cId="3390149621" sldId="523"/>
+            <ac:spMk id="3" creationId="{6DFEC6F4-70CB-8F7B-270F-3FA6FD6FCDC6}"/>
+          </ac:spMkLst>
+        </pc:spChg>
+        <pc:spChg chg="add del mod">
+          <ac:chgData name="Aleksey Zimin" userId="7f2637d0bc515791" providerId="LiveId" clId="{8553A319-8433-4677-8F80-E28D63617D4C}" dt="2025-09-09T20:47:10.738" v="50" actId="478"/>
+          <ac:spMkLst>
+            <pc:docMk/>
+            <pc:sldMk cId="3390149621" sldId="523"/>
+            <ac:spMk id="17" creationId="{732DDD61-3AD8-BAE8-1821-124AD1189A52}"/>
+          </ac:spMkLst>
+        </pc:spChg>
+        <pc:picChg chg="del">
+          <ac:chgData name="Aleksey Zimin" userId="7f2637d0bc515791" providerId="LiveId" clId="{8553A319-8433-4677-8F80-E28D63617D4C}" dt="2025-09-09T20:43:25.636" v="31" actId="478"/>
+          <ac:picMkLst>
+            <pc:docMk/>
+            <pc:sldMk cId="3390149621" sldId="523"/>
+            <ac:picMk id="6" creationId="{9EAB4501-A381-6B87-BFC9-47A3959F6E94}"/>
+          </ac:picMkLst>
+        </pc:picChg>
+        <pc:picChg chg="add mod">
+          <ac:chgData name="Aleksey Zimin" userId="7f2637d0bc515791" providerId="LiveId" clId="{8553A319-8433-4677-8F80-E28D63617D4C}" dt="2025-09-09T20:44:09.354" v="40" actId="14100"/>
+          <ac:picMkLst>
+            <pc:docMk/>
+            <pc:sldMk cId="3390149621" sldId="523"/>
+            <ac:picMk id="13" creationId="{035E2BB0-C694-DBA3-D2DC-FD9DAE3214A8}"/>
+          </ac:picMkLst>
+        </pc:picChg>
+        <pc:picChg chg="add del">
+          <ac:chgData name="Aleksey Zimin" userId="7f2637d0bc515791" providerId="LiveId" clId="{8553A319-8433-4677-8F80-E28D63617D4C}" dt="2025-09-09T20:47:14.701" v="51" actId="478"/>
+          <ac:picMkLst>
+            <pc:docMk/>
+            <pc:sldMk cId="3390149621" sldId="523"/>
+            <ac:picMk id="14" creationId="{27F664AF-CB6F-4092-3735-E86A4FBA6A40}"/>
+          </ac:picMkLst>
+        </pc:picChg>
+        <pc:picChg chg="add del mod">
+          <ac:chgData name="Aleksey Zimin" userId="7f2637d0bc515791" providerId="LiveId" clId="{8553A319-8433-4677-8F80-E28D63617D4C}" dt="2025-09-09T20:47:10.053" v="49" actId="22"/>
+          <ac:picMkLst>
+            <pc:docMk/>
+            <pc:sldMk cId="3390149621" sldId="523"/>
+            <ac:picMk id="19" creationId="{21F4E7F5-5C14-CFCF-C53E-AD12E443D0DE}"/>
+          </ac:picMkLst>
+        </pc:picChg>
+        <pc:picChg chg="add mod">
+          <ac:chgData name="Aleksey Zimin" userId="7f2637d0bc515791" providerId="LiveId" clId="{8553A319-8433-4677-8F80-E28D63617D4C}" dt="2025-09-09T20:47:27.555" v="54" actId="14100"/>
+          <ac:picMkLst>
+            <pc:docMk/>
+            <pc:sldMk cId="3390149621" sldId="523"/>
+            <ac:picMk id="21" creationId="{A09D5DB8-17D2-BACF-35FE-FFFC50BDFCC7}"/>
+          </ac:picMkLst>
+        </pc:picChg>
+      </pc:sldChg>
+      <pc:sldChg chg="addSp delSp modSp mod">
+        <pc:chgData name="Aleksey Zimin" userId="7f2637d0bc515791" providerId="LiveId" clId="{8553A319-8433-4677-8F80-E28D63617D4C}" dt="2025-09-09T20:41:57.979" v="4" actId="14100"/>
+        <pc:sldMkLst>
+          <pc:docMk/>
+          <pc:sldMk cId="2334615135" sldId="559"/>
+        </pc:sldMkLst>
+        <pc:picChg chg="add mod ord">
+          <ac:chgData name="Aleksey Zimin" userId="7f2637d0bc515791" providerId="LiveId" clId="{8553A319-8433-4677-8F80-E28D63617D4C}" dt="2025-09-09T20:41:57.979" v="4" actId="14100"/>
+          <ac:picMkLst>
+            <pc:docMk/>
+            <pc:sldMk cId="2334615135" sldId="559"/>
+            <ac:picMk id="6" creationId="{8F030898-220E-9C95-B171-44B84D69CD96}"/>
+          </ac:picMkLst>
+        </pc:picChg>
+        <pc:picChg chg="del">
+          <ac:chgData name="Aleksey Zimin" userId="7f2637d0bc515791" providerId="LiveId" clId="{8553A319-8433-4677-8F80-E28D63617D4C}" dt="2025-09-09T20:41:25.457" v="0" actId="478"/>
+          <ac:picMkLst>
+            <pc:docMk/>
+            <pc:sldMk cId="2334615135" sldId="559"/>
+            <ac:picMk id="9" creationId="{6417E82E-11C3-615C-627A-C87B3559B13A}"/>
+          </ac:picMkLst>
+        </pc:picChg>
+      </pc:sldChg>
+      <pc:sldChg chg="addSp delSp modSp mod">
+        <pc:chgData name="Aleksey Zimin" userId="7f2637d0bc515791" providerId="LiveId" clId="{8553A319-8433-4677-8F80-E28D63617D4C}" dt="2025-09-09T20:42:23.386" v="10" actId="167"/>
+        <pc:sldMkLst>
+          <pc:docMk/>
+          <pc:sldMk cId="3543001246" sldId="560"/>
+        </pc:sldMkLst>
+        <pc:picChg chg="add mod ord">
+          <ac:chgData name="Aleksey Zimin" userId="7f2637d0bc515791" providerId="LiveId" clId="{8553A319-8433-4677-8F80-E28D63617D4C}" dt="2025-09-09T20:42:23.386" v="10" actId="167"/>
+          <ac:picMkLst>
+            <pc:docMk/>
+            <pc:sldMk cId="3543001246" sldId="560"/>
+            <ac:picMk id="5" creationId="{5E4AE810-7E7A-BAFB-61CD-8CB59C0015A8}"/>
+          </ac:picMkLst>
+        </pc:picChg>
+        <pc:picChg chg="del">
+          <ac:chgData name="Aleksey Zimin" userId="7f2637d0bc515791" providerId="LiveId" clId="{8553A319-8433-4677-8F80-E28D63617D4C}" dt="2025-09-09T20:42:18.925" v="8" actId="478"/>
+          <ac:picMkLst>
+            <pc:docMk/>
+            <pc:sldMk cId="3543001246" sldId="560"/>
+            <ac:picMk id="9" creationId="{11DBDDC9-0C97-87E4-D118-F8079F238170}"/>
+          </ac:picMkLst>
+        </pc:picChg>
+      </pc:sldChg>
+      <pc:sldChg chg="addSp delSp modSp mod">
+        <pc:chgData name="Aleksey Zimin" userId="7f2637d0bc515791" providerId="LiveId" clId="{8553A319-8433-4677-8F80-E28D63617D4C}" dt="2025-09-09T20:42:31.777" v="13" actId="167"/>
+        <pc:sldMkLst>
+          <pc:docMk/>
+          <pc:sldMk cId="2587327454" sldId="561"/>
+        </pc:sldMkLst>
+        <pc:picChg chg="add mod ord">
+          <ac:chgData name="Aleksey Zimin" userId="7f2637d0bc515791" providerId="LiveId" clId="{8553A319-8433-4677-8F80-E28D63617D4C}" dt="2025-09-09T20:42:31.777" v="13" actId="167"/>
+          <ac:picMkLst>
+            <pc:docMk/>
+            <pc:sldMk cId="2587327454" sldId="561"/>
+            <ac:picMk id="5" creationId="{BC84A741-F0A4-F07E-1056-F712C5466977}"/>
+          </ac:picMkLst>
+        </pc:picChg>
+        <pc:picChg chg="del">
+          <ac:chgData name="Aleksey Zimin" userId="7f2637d0bc515791" providerId="LiveId" clId="{8553A319-8433-4677-8F80-E28D63617D4C}" dt="2025-09-09T20:42:27.541" v="11" actId="478"/>
+          <ac:picMkLst>
+            <pc:docMk/>
+            <pc:sldMk cId="2587327454" sldId="561"/>
+            <ac:picMk id="9" creationId="{16E7D5DB-65C1-2594-9998-5A4412EB3455}"/>
+          </ac:picMkLst>
+        </pc:picChg>
+      </pc:sldChg>
+      <pc:sldChg chg="addSp delSp modSp mod">
+        <pc:chgData name="Aleksey Zimin" userId="7f2637d0bc515791" providerId="LiveId" clId="{8553A319-8433-4677-8F80-E28D63617D4C}" dt="2025-09-09T20:42:39.592" v="16" actId="167"/>
+        <pc:sldMkLst>
+          <pc:docMk/>
+          <pc:sldMk cId="4020362598" sldId="562"/>
+        </pc:sldMkLst>
+        <pc:picChg chg="add mod ord">
+          <ac:chgData name="Aleksey Zimin" userId="7f2637d0bc515791" providerId="LiveId" clId="{8553A319-8433-4677-8F80-E28D63617D4C}" dt="2025-09-09T20:42:39.592" v="16" actId="167"/>
+          <ac:picMkLst>
+            <pc:docMk/>
+            <pc:sldMk cId="4020362598" sldId="562"/>
+            <ac:picMk id="5" creationId="{F1F3BAB1-2542-A305-B4D6-E0B0406944B0}"/>
+          </ac:picMkLst>
+        </pc:picChg>
+        <pc:picChg chg="del">
+          <ac:chgData name="Aleksey Zimin" userId="7f2637d0bc515791" providerId="LiveId" clId="{8553A319-8433-4677-8F80-E28D63617D4C}" dt="2025-09-09T20:42:36.067" v="14" actId="478"/>
+          <ac:picMkLst>
+            <pc:docMk/>
+            <pc:sldMk cId="4020362598" sldId="562"/>
+            <ac:picMk id="9" creationId="{7C023B87-3554-1B0B-1B0E-04CBE7F9AA13}"/>
+          </ac:picMkLst>
+        </pc:picChg>
+      </pc:sldChg>
+      <pc:sldChg chg="addSp delSp modSp mod">
+        <pc:chgData name="Aleksey Zimin" userId="7f2637d0bc515791" providerId="LiveId" clId="{8553A319-8433-4677-8F80-E28D63617D4C}" dt="2025-09-09T20:42:49.089" v="19" actId="167"/>
+        <pc:sldMkLst>
+          <pc:docMk/>
+          <pc:sldMk cId="3714024879" sldId="563"/>
+        </pc:sldMkLst>
+        <pc:picChg chg="add mod ord">
+          <ac:chgData name="Aleksey Zimin" userId="7f2637d0bc515791" providerId="LiveId" clId="{8553A319-8433-4677-8F80-E28D63617D4C}" dt="2025-09-09T20:42:49.089" v="19" actId="167"/>
+          <ac:picMkLst>
+            <pc:docMk/>
+            <pc:sldMk cId="3714024879" sldId="563"/>
+            <ac:picMk id="6" creationId="{26D72904-27FD-9854-9622-8A9FC1B211B8}"/>
+          </ac:picMkLst>
+        </pc:picChg>
+        <pc:picChg chg="del">
+          <ac:chgData name="Aleksey Zimin" userId="7f2637d0bc515791" providerId="LiveId" clId="{8553A319-8433-4677-8F80-E28D63617D4C}" dt="2025-09-09T20:42:44.485" v="17" actId="478"/>
+          <ac:picMkLst>
+            <pc:docMk/>
+            <pc:sldMk cId="3714024879" sldId="563"/>
+            <ac:picMk id="9" creationId="{C0B7EC14-C635-48A4-0F8E-BEBF3F9CCFF0}"/>
+          </ac:picMkLst>
+        </pc:picChg>
+      </pc:sldChg>
+      <pc:sldChg chg="addSp delSp modSp mod">
+        <pc:chgData name="Aleksey Zimin" userId="7f2637d0bc515791" providerId="LiveId" clId="{8553A319-8433-4677-8F80-E28D63617D4C}" dt="2025-09-09T20:42:56.864" v="22" actId="167"/>
+        <pc:sldMkLst>
+          <pc:docMk/>
+          <pc:sldMk cId="3424581993" sldId="564"/>
+        </pc:sldMkLst>
+        <pc:picChg chg="del">
+          <ac:chgData name="Aleksey Zimin" userId="7f2637d0bc515791" providerId="LiveId" clId="{8553A319-8433-4677-8F80-E28D63617D4C}" dt="2025-09-09T20:42:52.542" v="20" actId="478"/>
+          <ac:picMkLst>
+            <pc:docMk/>
+            <pc:sldMk cId="3424581993" sldId="564"/>
+            <ac:picMk id="9" creationId="{079504C0-94E3-22D4-5ACB-2E3DBA433350}"/>
+          </ac:picMkLst>
+        </pc:picChg>
+        <pc:picChg chg="add mod ord">
+          <ac:chgData name="Aleksey Zimin" userId="7f2637d0bc515791" providerId="LiveId" clId="{8553A319-8433-4677-8F80-E28D63617D4C}" dt="2025-09-09T20:42:56.864" v="22" actId="167"/>
+          <ac:picMkLst>
+            <pc:docMk/>
+            <pc:sldMk cId="3424581993" sldId="564"/>
+            <ac:picMk id="10" creationId="{1A6C7E7C-3B8A-25B2-4DED-F00039FDF690}"/>
+          </ac:picMkLst>
+        </pc:picChg>
+      </pc:sldChg>
+      <pc:sldChg chg="addSp delSp modSp mod">
+        <pc:chgData name="Aleksey Zimin" userId="7f2637d0bc515791" providerId="LiveId" clId="{8553A319-8433-4677-8F80-E28D63617D4C}" dt="2025-09-09T20:43:04.944" v="25" actId="167"/>
+        <pc:sldMkLst>
+          <pc:docMk/>
+          <pc:sldMk cId="1645801350" sldId="565"/>
+        </pc:sldMkLst>
+        <pc:picChg chg="del">
+          <ac:chgData name="Aleksey Zimin" userId="7f2637d0bc515791" providerId="LiveId" clId="{8553A319-8433-4677-8F80-E28D63617D4C}" dt="2025-09-09T20:43:01.317" v="23" actId="478"/>
+          <ac:picMkLst>
+            <pc:docMk/>
+            <pc:sldMk cId="1645801350" sldId="565"/>
+            <ac:picMk id="9" creationId="{64619D57-369E-3407-04CE-DDE04DF0818E}"/>
+          </ac:picMkLst>
+        </pc:picChg>
+        <pc:picChg chg="add mod ord">
+          <ac:chgData name="Aleksey Zimin" userId="7f2637d0bc515791" providerId="LiveId" clId="{8553A319-8433-4677-8F80-E28D63617D4C}" dt="2025-09-09T20:43:04.944" v="25" actId="167"/>
+          <ac:picMkLst>
+            <pc:docMk/>
+            <pc:sldMk cId="1645801350" sldId="565"/>
+            <ac:picMk id="10" creationId="{55B20081-A05A-C702-EF7C-B65C54515D48}"/>
+          </ac:picMkLst>
+        </pc:picChg>
+      </pc:sldChg>
+      <pc:sldChg chg="addSp delSp modSp mod">
+        <pc:chgData name="Aleksey Zimin" userId="7f2637d0bc515791" providerId="LiveId" clId="{8553A319-8433-4677-8F80-E28D63617D4C}" dt="2025-09-09T20:43:12.018" v="28" actId="167"/>
+        <pc:sldMkLst>
+          <pc:docMk/>
+          <pc:sldMk cId="1612796002" sldId="566"/>
+        </pc:sldMkLst>
+        <pc:picChg chg="del">
+          <ac:chgData name="Aleksey Zimin" userId="7f2637d0bc515791" providerId="LiveId" clId="{8553A319-8433-4677-8F80-E28D63617D4C}" dt="2025-09-09T20:43:08.717" v="26" actId="478"/>
+          <ac:picMkLst>
+            <pc:docMk/>
+            <pc:sldMk cId="1612796002" sldId="566"/>
+            <ac:picMk id="9" creationId="{10111A1F-13E0-2EDA-2756-C26AA0D8B175}"/>
+          </ac:picMkLst>
+        </pc:picChg>
+        <pc:picChg chg="add mod ord">
+          <ac:chgData name="Aleksey Zimin" userId="7f2637d0bc515791" providerId="LiveId" clId="{8553A319-8433-4677-8F80-E28D63617D4C}" dt="2025-09-09T20:43:12.018" v="28" actId="167"/>
+          <ac:picMkLst>
+            <pc:docMk/>
+            <pc:sldMk cId="1612796002" sldId="566"/>
+            <ac:picMk id="11" creationId="{09DEF229-596A-8834-2971-348ED04911DE}"/>
+          </ac:picMkLst>
+        </pc:picChg>
+      </pc:sldChg>
+      <pc:sldChg chg="addSp delSp modSp mod">
+        <pc:chgData name="Aleksey Zimin" userId="7f2637d0bc515791" providerId="LiveId" clId="{8553A319-8433-4677-8F80-E28D63617D4C}" dt="2025-09-09T20:43:20.046" v="30"/>
+        <pc:sldMkLst>
+          <pc:docMk/>
+          <pc:sldMk cId="379975407" sldId="567"/>
+        </pc:sldMkLst>
+        <pc:picChg chg="add mod">
+          <ac:chgData name="Aleksey Zimin" userId="7f2637d0bc515791" providerId="LiveId" clId="{8553A319-8433-4677-8F80-E28D63617D4C}" dt="2025-09-09T20:43:20.046" v="30"/>
+          <ac:picMkLst>
+            <pc:docMk/>
+            <pc:sldMk cId="379975407" sldId="567"/>
+            <ac:picMk id="7" creationId="{0E128B83-0295-9295-3944-9EADCF2C33FA}"/>
+          </ac:picMkLst>
+        </pc:picChg>
+        <pc:picChg chg="del">
+          <ac:chgData name="Aleksey Zimin" userId="7f2637d0bc515791" providerId="LiveId" clId="{8553A319-8433-4677-8F80-E28D63617D4C}" dt="2025-09-09T20:43:16.245" v="29" actId="478"/>
+          <ac:picMkLst>
+            <pc:docMk/>
+            <pc:sldMk cId="379975407" sldId="567"/>
+            <ac:picMk id="9" creationId="{DDDCD086-4EFE-83D7-37E7-514D6EE13DB3}"/>
+          </ac:picMkLst>
+        </pc:picChg>
+      </pc:sldChg>
+      <pc:sldChg chg="addSp delSp modSp mod">
+        <pc:chgData name="Aleksey Zimin" userId="7f2637d0bc515791" providerId="LiveId" clId="{8553A319-8433-4677-8F80-E28D63617D4C}" dt="2025-09-09T20:47:47.091" v="58" actId="1076"/>
+        <pc:sldMkLst>
+          <pc:docMk/>
+          <pc:sldMk cId="402778499" sldId="568"/>
+        </pc:sldMkLst>
+        <pc:picChg chg="del">
+          <ac:chgData name="Aleksey Zimin" userId="7f2637d0bc515791" providerId="LiveId" clId="{8553A319-8433-4677-8F80-E28D63617D4C}" dt="2025-09-09T20:43:47.525" v="34" actId="478"/>
+          <ac:picMkLst>
+            <pc:docMk/>
+            <pc:sldMk cId="402778499" sldId="568"/>
+            <ac:picMk id="6" creationId="{11C71774-9845-44DD-5DD4-B686C9FEF54C}"/>
+          </ac:picMkLst>
+        </pc:picChg>
+        <pc:picChg chg="del">
+          <ac:chgData name="Aleksey Zimin" userId="7f2637d0bc515791" providerId="LiveId" clId="{8553A319-8433-4677-8F80-E28D63617D4C}" dt="2025-09-09T20:47:38.725" v="55" actId="478"/>
+          <ac:picMkLst>
+            <pc:docMk/>
+            <pc:sldMk cId="402778499" sldId="568"/>
+            <ac:picMk id="14" creationId="{09E2A272-D4BD-C7A3-DF8C-9D38D42FFC5E}"/>
+          </ac:picMkLst>
+        </pc:picChg>
+        <pc:picChg chg="add mod ord">
+          <ac:chgData name="Aleksey Zimin" userId="7f2637d0bc515791" providerId="LiveId" clId="{8553A319-8433-4677-8F80-E28D63617D4C}" dt="2025-09-09T20:44:02.026" v="38" actId="14100"/>
+          <ac:picMkLst>
+            <pc:docMk/>
+            <pc:sldMk cId="402778499" sldId="568"/>
+            <ac:picMk id="19" creationId="{C74AA37F-1822-F664-3B13-B83855D289FC}"/>
+          </ac:picMkLst>
+        </pc:picChg>
+        <pc:picChg chg="add mod ord">
+          <ac:chgData name="Aleksey Zimin" userId="7f2637d0bc515791" providerId="LiveId" clId="{8553A319-8433-4677-8F80-E28D63617D4C}" dt="2025-09-09T20:47:47.091" v="58" actId="1076"/>
+          <ac:picMkLst>
+            <pc:docMk/>
+            <pc:sldMk cId="402778499" sldId="568"/>
+            <ac:picMk id="20" creationId="{F61CC7E8-3AD6-81BF-A9A5-C7F1555484E4}"/>
+          </ac:picMkLst>
+        </pc:picChg>
+      </pc:sldChg>
+    </pc:docChg>
+  </pc:docChgLst>
 </pc:chgInfo>
 </file>
 
@@ -875,7 +1216,7 @@
           <a:p>
             <a:fld id="{78C61B90-1233-4265-A8E1-4CB85DE126FB}" type="datetimeFigureOut">
               <a:rPr lang="en-US" smtClean="0"/>
-              <a:t>9/5/2025</a:t>
+              <a:t>9/9/2025</a:t>
             </a:fld>
             <a:endParaRPr lang="en-US"/>
           </a:p>
@@ -1353,7 +1694,7 @@
           <a:p>
             <a:fld id="{E2773EFF-6084-460D-96FA-2FA787A98816}" type="datetime1">
               <a:rPr lang="en-US" smtClean="0"/>
-              <a:t>9/5/2025</a:t>
+              <a:t>9/9/2025</a:t>
             </a:fld>
             <a:endParaRPr lang="en-US"/>
           </a:p>
@@ -1606,7 +1947,7 @@
           <a:p>
             <a:fld id="{013692F8-B2BD-4E07-9A92-E5080B238DFA}" type="datetime1">
               <a:rPr lang="en-US" smtClean="0"/>
-              <a:t>9/5/2025</a:t>
+              <a:t>9/9/2025</a:t>
             </a:fld>
             <a:endParaRPr lang="en-US"/>
           </a:p>
@@ -1775,7 +2116,7 @@
           <a:p>
             <a:fld id="{82A88673-6F42-4090-A040-176AF0E6DEAE}" type="datetime1">
               <a:rPr lang="en-US" smtClean="0"/>
-              <a:t>9/5/2025</a:t>
+              <a:t>9/9/2025</a:t>
             </a:fld>
             <a:endParaRPr lang="en-US"/>
           </a:p>
@@ -1954,7 +2295,7 @@
           <a:p>
             <a:fld id="{EC715288-B7FB-4510-97B0-C840A6671DDD}" type="datetime1">
               <a:rPr lang="en-US" smtClean="0"/>
-              <a:t>9/5/2025</a:t>
+              <a:t>9/9/2025</a:t>
             </a:fld>
             <a:endParaRPr lang="en-US"/>
           </a:p>
@@ -2615,7 +2956,7 @@
           <a:p>
             <a:fld id="{93FF86A1-0F17-41D8-9FFA-9520AF33BFC6}" type="datetime1">
               <a:rPr lang="en-US" smtClean="0"/>
-              <a:t>9/5/2025</a:t>
+              <a:t>9/9/2025</a:t>
             </a:fld>
             <a:endParaRPr lang="en-US"/>
           </a:p>
@@ -2850,7 +3191,7 @@
           <a:p>
             <a:fld id="{E41692F4-087A-4F4C-9829-F340F0646973}" type="datetime1">
               <a:rPr lang="en-US" smtClean="0"/>
-              <a:t>9/5/2025</a:t>
+              <a:t>9/9/2025</a:t>
             </a:fld>
             <a:endParaRPr lang="en-US"/>
           </a:p>
@@ -3096,7 +3437,7 @@
           <a:p>
             <a:fld id="{93E80BFE-E826-4B70-BF6B-3710B05194AF}" type="datetime1">
               <a:rPr lang="en-US" smtClean="0"/>
-              <a:t>9/5/2025</a:t>
+              <a:t>9/9/2025</a:t>
             </a:fld>
             <a:endParaRPr lang="en-US"/>
           </a:p>
@@ -3382,7 +3723,7 @@
           <a:p>
             <a:fld id="{9C5182DA-5425-42F9-BDB8-0DBDA15B981E}" type="datetime1">
               <a:rPr lang="en-US" smtClean="0"/>
-              <a:t>9/5/2025</a:t>
+              <a:t>9/9/2025</a:t>
             </a:fld>
             <a:endParaRPr lang="en-US"/>
           </a:p>
@@ -3881,7 +4222,7 @@
           <a:p>
             <a:fld id="{131B7164-C7F7-495E-9D5F-43BBDEBECF81}" type="datetime1">
               <a:rPr lang="en-US" smtClean="0"/>
-              <a:t>9/5/2025</a:t>
+              <a:t>9/9/2025</a:t>
             </a:fld>
             <a:endParaRPr lang="en-US"/>
           </a:p>
@@ -3999,7 +4340,7 @@
           <a:p>
             <a:fld id="{2D6C5AB8-78AA-4DA3-952F-F5057D2DAAA5}" type="datetime1">
               <a:rPr lang="en-US" smtClean="0"/>
-              <a:t>9/5/2025</a:t>
+              <a:t>9/9/2025</a:t>
             </a:fld>
             <a:endParaRPr lang="en-US"/>
           </a:p>
@@ -4095,7 +4436,7 @@
           <a:p>
             <a:fld id="{41CCB869-D2D8-4282-A525-D63712C1B900}" type="datetime1">
               <a:rPr lang="en-US" smtClean="0"/>
-              <a:t>9/5/2025</a:t>
+              <a:t>9/9/2025</a:t>
             </a:fld>
             <a:endParaRPr lang="en-US"/>
           </a:p>
@@ -4371,7 +4712,7 @@
           <a:p>
             <a:fld id="{25A8CF58-29B0-4D31-BE55-D9C1F05848B7}" type="datetime1">
               <a:rPr lang="en-US" smtClean="0"/>
-              <a:t>9/5/2025</a:t>
+              <a:t>9/9/2025</a:t>
             </a:fld>
             <a:endParaRPr lang="en-US"/>
           </a:p>
@@ -4592,7 +4933,7 @@
           <a:p>
             <a:fld id="{8F08395F-151A-4402-98B5-C84E535B9AEF}" type="datetime1">
               <a:rPr lang="en-US" smtClean="0"/>
-              <a:t>9/5/2025</a:t>
+              <a:t>9/9/2025</a:t>
             </a:fld>
             <a:endParaRPr lang="en-US"/>
           </a:p>
@@ -6490,6 +6831,36 @@
           <a:chExt cx="0" cy="0"/>
         </a:xfrm>
       </p:grpSpPr>
+      <p:pic>
+        <p:nvPicPr>
+          <p:cNvPr id="6" name="Picture 5">
+            <a:extLst>
+              <a:ext uri="{FF2B5EF4-FFF2-40B4-BE49-F238E27FC236}">
+                <a16:creationId xmlns:a16="http://schemas.microsoft.com/office/drawing/2014/main" id="{8F030898-220E-9C95-B171-44B84D69CD96}"/>
+              </a:ext>
+            </a:extLst>
+          </p:cNvPr>
+          <p:cNvPicPr>
+            <a:picLocks noChangeAspect="1"/>
+          </p:cNvPicPr>
+          <p:nvPr/>
+        </p:nvPicPr>
+        <p:blipFill>
+          <a:blip r:embed="rId2"/>
+          <a:stretch>
+            <a:fillRect/>
+          </a:stretch>
+        </p:blipFill>
+        <p:spPr>
+          <a:xfrm>
+            <a:off x="2964820" y="2083749"/>
+            <a:ext cx="4199773" cy="4609507"/>
+          </a:xfrm>
+          <a:prstGeom prst="rect">
+            <a:avLst/>
+          </a:prstGeom>
+        </p:spPr>
+      </p:pic>
       <p:sp>
         <p:nvSpPr>
           <p:cNvPr id="2" name="Title 1">
@@ -6712,36 +7083,6 @@
           </a:p>
         </p:txBody>
       </p:sp>
-      <p:pic>
-        <p:nvPicPr>
-          <p:cNvPr id="9" name="Picture 8">
-            <a:extLst>
-              <a:ext uri="{FF2B5EF4-FFF2-40B4-BE49-F238E27FC236}">
-                <a16:creationId xmlns:a16="http://schemas.microsoft.com/office/drawing/2014/main" id="{6417E82E-11C3-615C-627A-C87B3559B13A}"/>
-              </a:ext>
-            </a:extLst>
-          </p:cNvPr>
-          <p:cNvPicPr>
-            <a:picLocks noChangeAspect="1"/>
-          </p:cNvPicPr>
-          <p:nvPr/>
-        </p:nvPicPr>
-        <p:blipFill>
-          <a:blip r:embed="rId2"/>
-          <a:stretch>
-            <a:fillRect/>
-          </a:stretch>
-        </p:blipFill>
-        <p:spPr>
-          <a:xfrm>
-            <a:off x="2971422" y="2083750"/>
-            <a:ext cx="4096352" cy="4529064"/>
-          </a:xfrm>
-          <a:prstGeom prst="rect">
-            <a:avLst/>
-          </a:prstGeom>
-        </p:spPr>
-      </p:pic>
       <p:sp>
         <p:nvSpPr>
           <p:cNvPr id="7" name="Rectangle 6">
@@ -6830,6 +7171,36 @@
           <a:chExt cx="0" cy="0"/>
         </a:xfrm>
       </p:grpSpPr>
+      <p:pic>
+        <p:nvPicPr>
+          <p:cNvPr id="5" name="Picture 4">
+            <a:extLst>
+              <a:ext uri="{FF2B5EF4-FFF2-40B4-BE49-F238E27FC236}">
+                <a16:creationId xmlns:a16="http://schemas.microsoft.com/office/drawing/2014/main" id="{95F881EA-AE90-223D-2275-207A35A87ABE}"/>
+              </a:ext>
+            </a:extLst>
+          </p:cNvPr>
+          <p:cNvPicPr>
+            <a:picLocks noChangeAspect="1"/>
+          </p:cNvPicPr>
+          <p:nvPr/>
+        </p:nvPicPr>
+        <p:blipFill>
+          <a:blip r:embed="rId2"/>
+          <a:stretch>
+            <a:fillRect/>
+          </a:stretch>
+        </p:blipFill>
+        <p:spPr>
+          <a:xfrm>
+            <a:off x="2964820" y="2083749"/>
+            <a:ext cx="4199773" cy="4609507"/>
+          </a:xfrm>
+          <a:prstGeom prst="rect">
+            <a:avLst/>
+          </a:prstGeom>
+        </p:spPr>
+      </p:pic>
       <p:sp>
         <p:nvSpPr>
           <p:cNvPr id="2" name="Title 1">
@@ -7052,36 +7423,6 @@
           </a:p>
         </p:txBody>
       </p:sp>
-      <p:pic>
-        <p:nvPicPr>
-          <p:cNvPr id="9" name="Picture 8">
-            <a:extLst>
-              <a:ext uri="{FF2B5EF4-FFF2-40B4-BE49-F238E27FC236}">
-                <a16:creationId xmlns:a16="http://schemas.microsoft.com/office/drawing/2014/main" id="{5A146C3D-9D0F-B8A8-2B81-364170397C22}"/>
-              </a:ext>
-            </a:extLst>
-          </p:cNvPr>
-          <p:cNvPicPr>
-            <a:picLocks noChangeAspect="1"/>
-          </p:cNvPicPr>
-          <p:nvPr/>
-        </p:nvPicPr>
-        <p:blipFill>
-          <a:blip r:embed="rId2"/>
-          <a:stretch>
-            <a:fillRect/>
-          </a:stretch>
-        </p:blipFill>
-        <p:spPr>
-          <a:xfrm>
-            <a:off x="2971422" y="2083750"/>
-            <a:ext cx="4096352" cy="4529064"/>
-          </a:xfrm>
-          <a:prstGeom prst="rect">
-            <a:avLst/>
-          </a:prstGeom>
-        </p:spPr>
-      </p:pic>
       <p:sp>
         <p:nvSpPr>
           <p:cNvPr id="7" name="Rectangle 6">
@@ -7170,6 +7511,36 @@
           <a:chExt cx="0" cy="0"/>
         </a:xfrm>
       </p:grpSpPr>
+      <p:pic>
+        <p:nvPicPr>
+          <p:cNvPr id="5" name="Picture 4">
+            <a:extLst>
+              <a:ext uri="{FF2B5EF4-FFF2-40B4-BE49-F238E27FC236}">
+                <a16:creationId xmlns:a16="http://schemas.microsoft.com/office/drawing/2014/main" id="{5E4AE810-7E7A-BAFB-61CD-8CB59C0015A8}"/>
+              </a:ext>
+            </a:extLst>
+          </p:cNvPr>
+          <p:cNvPicPr>
+            <a:picLocks noChangeAspect="1"/>
+          </p:cNvPicPr>
+          <p:nvPr/>
+        </p:nvPicPr>
+        <p:blipFill>
+          <a:blip r:embed="rId2"/>
+          <a:stretch>
+            <a:fillRect/>
+          </a:stretch>
+        </p:blipFill>
+        <p:spPr>
+          <a:xfrm>
+            <a:off x="2964820" y="2083749"/>
+            <a:ext cx="4199773" cy="4609507"/>
+          </a:xfrm>
+          <a:prstGeom prst="rect">
+            <a:avLst/>
+          </a:prstGeom>
+        </p:spPr>
+      </p:pic>
       <p:sp>
         <p:nvSpPr>
           <p:cNvPr id="2" name="Title 1">
@@ -7392,36 +7763,6 @@
           </a:p>
         </p:txBody>
       </p:sp>
-      <p:pic>
-        <p:nvPicPr>
-          <p:cNvPr id="9" name="Picture 8">
-            <a:extLst>
-              <a:ext uri="{FF2B5EF4-FFF2-40B4-BE49-F238E27FC236}">
-                <a16:creationId xmlns:a16="http://schemas.microsoft.com/office/drawing/2014/main" id="{11DBDDC9-0C97-87E4-D118-F8079F238170}"/>
-              </a:ext>
-            </a:extLst>
-          </p:cNvPr>
-          <p:cNvPicPr>
-            <a:picLocks noChangeAspect="1"/>
-          </p:cNvPicPr>
-          <p:nvPr/>
-        </p:nvPicPr>
-        <p:blipFill>
-          <a:blip r:embed="rId2"/>
-          <a:stretch>
-            <a:fillRect/>
-          </a:stretch>
-        </p:blipFill>
-        <p:spPr>
-          <a:xfrm>
-            <a:off x="2971422" y="2083750"/>
-            <a:ext cx="4096352" cy="4529064"/>
-          </a:xfrm>
-          <a:prstGeom prst="rect">
-            <a:avLst/>
-          </a:prstGeom>
-        </p:spPr>
-      </p:pic>
       <p:sp>
         <p:nvSpPr>
           <p:cNvPr id="7" name="Rectangle 6">
@@ -7510,6 +7851,36 @@
           <a:chExt cx="0" cy="0"/>
         </a:xfrm>
       </p:grpSpPr>
+      <p:pic>
+        <p:nvPicPr>
+          <p:cNvPr id="5" name="Picture 4">
+            <a:extLst>
+              <a:ext uri="{FF2B5EF4-FFF2-40B4-BE49-F238E27FC236}">
+                <a16:creationId xmlns:a16="http://schemas.microsoft.com/office/drawing/2014/main" id="{BC84A741-F0A4-F07E-1056-F712C5466977}"/>
+              </a:ext>
+            </a:extLst>
+          </p:cNvPr>
+          <p:cNvPicPr>
+            <a:picLocks noChangeAspect="1"/>
+          </p:cNvPicPr>
+          <p:nvPr/>
+        </p:nvPicPr>
+        <p:blipFill>
+          <a:blip r:embed="rId2"/>
+          <a:stretch>
+            <a:fillRect/>
+          </a:stretch>
+        </p:blipFill>
+        <p:spPr>
+          <a:xfrm>
+            <a:off x="2964820" y="2083749"/>
+            <a:ext cx="4199773" cy="4609507"/>
+          </a:xfrm>
+          <a:prstGeom prst="rect">
+            <a:avLst/>
+          </a:prstGeom>
+        </p:spPr>
+      </p:pic>
       <p:sp>
         <p:nvSpPr>
           <p:cNvPr id="2" name="Title 1">
@@ -7732,36 +8103,6 @@
           </a:p>
         </p:txBody>
       </p:sp>
-      <p:pic>
-        <p:nvPicPr>
-          <p:cNvPr id="9" name="Picture 8">
-            <a:extLst>
-              <a:ext uri="{FF2B5EF4-FFF2-40B4-BE49-F238E27FC236}">
-                <a16:creationId xmlns:a16="http://schemas.microsoft.com/office/drawing/2014/main" id="{16E7D5DB-65C1-2594-9998-5A4412EB3455}"/>
-              </a:ext>
-            </a:extLst>
-          </p:cNvPr>
-          <p:cNvPicPr>
-            <a:picLocks noChangeAspect="1"/>
-          </p:cNvPicPr>
-          <p:nvPr/>
-        </p:nvPicPr>
-        <p:blipFill>
-          <a:blip r:embed="rId2"/>
-          <a:stretch>
-            <a:fillRect/>
-          </a:stretch>
-        </p:blipFill>
-        <p:spPr>
-          <a:xfrm>
-            <a:off x="2971422" y="2083750"/>
-            <a:ext cx="4096352" cy="4529064"/>
-          </a:xfrm>
-          <a:prstGeom prst="rect">
-            <a:avLst/>
-          </a:prstGeom>
-        </p:spPr>
-      </p:pic>
       <p:sp>
         <p:nvSpPr>
           <p:cNvPr id="7" name="Rectangle 6">
@@ -7850,6 +8191,36 @@
           <a:chExt cx="0" cy="0"/>
         </a:xfrm>
       </p:grpSpPr>
+      <p:pic>
+        <p:nvPicPr>
+          <p:cNvPr id="5" name="Picture 4">
+            <a:extLst>
+              <a:ext uri="{FF2B5EF4-FFF2-40B4-BE49-F238E27FC236}">
+                <a16:creationId xmlns:a16="http://schemas.microsoft.com/office/drawing/2014/main" id="{F1F3BAB1-2542-A305-B4D6-E0B0406944B0}"/>
+              </a:ext>
+            </a:extLst>
+          </p:cNvPr>
+          <p:cNvPicPr>
+            <a:picLocks noChangeAspect="1"/>
+          </p:cNvPicPr>
+          <p:nvPr/>
+        </p:nvPicPr>
+        <p:blipFill>
+          <a:blip r:embed="rId2"/>
+          <a:stretch>
+            <a:fillRect/>
+          </a:stretch>
+        </p:blipFill>
+        <p:spPr>
+          <a:xfrm>
+            <a:off x="2964820" y="2083749"/>
+            <a:ext cx="4199773" cy="4609507"/>
+          </a:xfrm>
+          <a:prstGeom prst="rect">
+            <a:avLst/>
+          </a:prstGeom>
+        </p:spPr>
+      </p:pic>
       <p:sp>
         <p:nvSpPr>
           <p:cNvPr id="2" name="Title 1">
@@ -8072,36 +8443,6 @@
           </a:p>
         </p:txBody>
       </p:sp>
-      <p:pic>
-        <p:nvPicPr>
-          <p:cNvPr id="9" name="Picture 8">
-            <a:extLst>
-              <a:ext uri="{FF2B5EF4-FFF2-40B4-BE49-F238E27FC236}">
-                <a16:creationId xmlns:a16="http://schemas.microsoft.com/office/drawing/2014/main" id="{7C023B87-3554-1B0B-1B0E-04CBE7F9AA13}"/>
-              </a:ext>
-            </a:extLst>
-          </p:cNvPr>
-          <p:cNvPicPr>
-            <a:picLocks noChangeAspect="1"/>
-          </p:cNvPicPr>
-          <p:nvPr/>
-        </p:nvPicPr>
-        <p:blipFill>
-          <a:blip r:embed="rId2"/>
-          <a:stretch>
-            <a:fillRect/>
-          </a:stretch>
-        </p:blipFill>
-        <p:spPr>
-          <a:xfrm>
-            <a:off x="2971422" y="2083750"/>
-            <a:ext cx="4096352" cy="4529064"/>
-          </a:xfrm>
-          <a:prstGeom prst="rect">
-            <a:avLst/>
-          </a:prstGeom>
-        </p:spPr>
-      </p:pic>
       <p:sp>
         <p:nvSpPr>
           <p:cNvPr id="7" name="Rectangle 6">
@@ -8190,6 +8531,36 @@
           <a:chExt cx="0" cy="0"/>
         </a:xfrm>
       </p:grpSpPr>
+      <p:pic>
+        <p:nvPicPr>
+          <p:cNvPr id="6" name="Picture 5">
+            <a:extLst>
+              <a:ext uri="{FF2B5EF4-FFF2-40B4-BE49-F238E27FC236}">
+                <a16:creationId xmlns:a16="http://schemas.microsoft.com/office/drawing/2014/main" id="{26D72904-27FD-9854-9622-8A9FC1B211B8}"/>
+              </a:ext>
+            </a:extLst>
+          </p:cNvPr>
+          <p:cNvPicPr>
+            <a:picLocks noChangeAspect="1"/>
+          </p:cNvPicPr>
+          <p:nvPr/>
+        </p:nvPicPr>
+        <p:blipFill>
+          <a:blip r:embed="rId2"/>
+          <a:stretch>
+            <a:fillRect/>
+          </a:stretch>
+        </p:blipFill>
+        <p:spPr>
+          <a:xfrm>
+            <a:off x="2964820" y="2083749"/>
+            <a:ext cx="4199773" cy="4609507"/>
+          </a:xfrm>
+          <a:prstGeom prst="rect">
+            <a:avLst/>
+          </a:prstGeom>
+        </p:spPr>
+      </p:pic>
       <p:sp>
         <p:nvSpPr>
           <p:cNvPr id="2" name="Title 1">
@@ -8412,36 +8783,6 @@
           </a:p>
         </p:txBody>
       </p:sp>
-      <p:pic>
-        <p:nvPicPr>
-          <p:cNvPr id="9" name="Picture 8">
-            <a:extLst>
-              <a:ext uri="{FF2B5EF4-FFF2-40B4-BE49-F238E27FC236}">
-                <a16:creationId xmlns:a16="http://schemas.microsoft.com/office/drawing/2014/main" id="{C0B7EC14-C635-48A4-0F8E-BEBF3F9CCFF0}"/>
-              </a:ext>
-            </a:extLst>
-          </p:cNvPr>
-          <p:cNvPicPr>
-            <a:picLocks noChangeAspect="1"/>
-          </p:cNvPicPr>
-          <p:nvPr/>
-        </p:nvPicPr>
-        <p:blipFill>
-          <a:blip r:embed="rId2"/>
-          <a:stretch>
-            <a:fillRect/>
-          </a:stretch>
-        </p:blipFill>
-        <p:spPr>
-          <a:xfrm>
-            <a:off x="2971422" y="2083750"/>
-            <a:ext cx="4096352" cy="4529064"/>
-          </a:xfrm>
-          <a:prstGeom prst="rect">
-            <a:avLst/>
-          </a:prstGeom>
-        </p:spPr>
-      </p:pic>
       <p:sp>
         <p:nvSpPr>
           <p:cNvPr id="7" name="Rectangle 6">
@@ -8590,6 +8931,36 @@
           <a:chExt cx="0" cy="0"/>
         </a:xfrm>
       </p:grpSpPr>
+      <p:pic>
+        <p:nvPicPr>
+          <p:cNvPr id="10" name="Picture 9">
+            <a:extLst>
+              <a:ext uri="{FF2B5EF4-FFF2-40B4-BE49-F238E27FC236}">
+                <a16:creationId xmlns:a16="http://schemas.microsoft.com/office/drawing/2014/main" id="{1A6C7E7C-3B8A-25B2-4DED-F00039FDF690}"/>
+              </a:ext>
+            </a:extLst>
+          </p:cNvPr>
+          <p:cNvPicPr>
+            <a:picLocks noChangeAspect="1"/>
+          </p:cNvPicPr>
+          <p:nvPr/>
+        </p:nvPicPr>
+        <p:blipFill>
+          <a:blip r:embed="rId2"/>
+          <a:stretch>
+            <a:fillRect/>
+          </a:stretch>
+        </p:blipFill>
+        <p:spPr>
+          <a:xfrm>
+            <a:off x="2964820" y="2083749"/>
+            <a:ext cx="4199773" cy="4609507"/>
+          </a:xfrm>
+          <a:prstGeom prst="rect">
+            <a:avLst/>
+          </a:prstGeom>
+        </p:spPr>
+      </p:pic>
       <p:sp>
         <p:nvSpPr>
           <p:cNvPr id="2" name="Title 1">
@@ -8812,36 +9183,6 @@
           </a:p>
         </p:txBody>
       </p:sp>
-      <p:pic>
-        <p:nvPicPr>
-          <p:cNvPr id="9" name="Picture 8">
-            <a:extLst>
-              <a:ext uri="{FF2B5EF4-FFF2-40B4-BE49-F238E27FC236}">
-                <a16:creationId xmlns:a16="http://schemas.microsoft.com/office/drawing/2014/main" id="{079504C0-94E3-22D4-5ACB-2E3DBA433350}"/>
-              </a:ext>
-            </a:extLst>
-          </p:cNvPr>
-          <p:cNvPicPr>
-            <a:picLocks noChangeAspect="1"/>
-          </p:cNvPicPr>
-          <p:nvPr/>
-        </p:nvPicPr>
-        <p:blipFill>
-          <a:blip r:embed="rId2"/>
-          <a:stretch>
-            <a:fillRect/>
-          </a:stretch>
-        </p:blipFill>
-        <p:spPr>
-          <a:xfrm>
-            <a:off x="2971422" y="2083750"/>
-            <a:ext cx="4096352" cy="4529064"/>
-          </a:xfrm>
-          <a:prstGeom prst="rect">
-            <a:avLst/>
-          </a:prstGeom>
-        </p:spPr>
-      </p:pic>
       <p:sp>
         <p:nvSpPr>
           <p:cNvPr id="7" name="Rectangle 6">
@@ -9050,6 +9391,36 @@
           <a:chExt cx="0" cy="0"/>
         </a:xfrm>
       </p:grpSpPr>
+      <p:pic>
+        <p:nvPicPr>
+          <p:cNvPr id="10" name="Picture 9">
+            <a:extLst>
+              <a:ext uri="{FF2B5EF4-FFF2-40B4-BE49-F238E27FC236}">
+                <a16:creationId xmlns:a16="http://schemas.microsoft.com/office/drawing/2014/main" id="{55B20081-A05A-C702-EF7C-B65C54515D48}"/>
+              </a:ext>
+            </a:extLst>
+          </p:cNvPr>
+          <p:cNvPicPr>
+            <a:picLocks noChangeAspect="1"/>
+          </p:cNvPicPr>
+          <p:nvPr/>
+        </p:nvPicPr>
+        <p:blipFill>
+          <a:blip r:embed="rId2"/>
+          <a:stretch>
+            <a:fillRect/>
+          </a:stretch>
+        </p:blipFill>
+        <p:spPr>
+          <a:xfrm>
+            <a:off x="2964820" y="2083749"/>
+            <a:ext cx="4199773" cy="4609507"/>
+          </a:xfrm>
+          <a:prstGeom prst="rect">
+            <a:avLst/>
+          </a:prstGeom>
+        </p:spPr>
+      </p:pic>
       <p:sp>
         <p:nvSpPr>
           <p:cNvPr id="2" name="Title 1">
@@ -9272,36 +9643,6 @@
           </a:p>
         </p:txBody>
       </p:sp>
-      <p:pic>
-        <p:nvPicPr>
-          <p:cNvPr id="9" name="Picture 8">
-            <a:extLst>
-              <a:ext uri="{FF2B5EF4-FFF2-40B4-BE49-F238E27FC236}">
-                <a16:creationId xmlns:a16="http://schemas.microsoft.com/office/drawing/2014/main" id="{64619D57-369E-3407-04CE-DDE04DF0818E}"/>
-              </a:ext>
-            </a:extLst>
-          </p:cNvPr>
-          <p:cNvPicPr>
-            <a:picLocks noChangeAspect="1"/>
-          </p:cNvPicPr>
-          <p:nvPr/>
-        </p:nvPicPr>
-        <p:blipFill>
-          <a:blip r:embed="rId2"/>
-          <a:stretch>
-            <a:fillRect/>
-          </a:stretch>
-        </p:blipFill>
-        <p:spPr>
-          <a:xfrm>
-            <a:off x="2971422" y="2083750"/>
-            <a:ext cx="4096352" cy="4529064"/>
-          </a:xfrm>
-          <a:prstGeom prst="rect">
-            <a:avLst/>
-          </a:prstGeom>
-        </p:spPr>
-      </p:pic>
       <p:sp>
         <p:nvSpPr>
           <p:cNvPr id="7" name="Rectangle 6">
@@ -9707,6 +10048,36 @@
           <a:chExt cx="0" cy="0"/>
         </a:xfrm>
       </p:grpSpPr>
+      <p:pic>
+        <p:nvPicPr>
+          <p:cNvPr id="11" name="Picture 10">
+            <a:extLst>
+              <a:ext uri="{FF2B5EF4-FFF2-40B4-BE49-F238E27FC236}">
+                <a16:creationId xmlns:a16="http://schemas.microsoft.com/office/drawing/2014/main" id="{09DEF229-596A-8834-2971-348ED04911DE}"/>
+              </a:ext>
+            </a:extLst>
+          </p:cNvPr>
+          <p:cNvPicPr>
+            <a:picLocks noChangeAspect="1"/>
+          </p:cNvPicPr>
+          <p:nvPr/>
+        </p:nvPicPr>
+        <p:blipFill>
+          <a:blip r:embed="rId2"/>
+          <a:stretch>
+            <a:fillRect/>
+          </a:stretch>
+        </p:blipFill>
+        <p:spPr>
+          <a:xfrm>
+            <a:off x="2964820" y="2083749"/>
+            <a:ext cx="4199773" cy="4609507"/>
+          </a:xfrm>
+          <a:prstGeom prst="rect">
+            <a:avLst/>
+          </a:prstGeom>
+        </p:spPr>
+      </p:pic>
       <p:sp>
         <p:nvSpPr>
           <p:cNvPr id="2" name="Title 1">
@@ -9929,36 +10300,6 @@
           </a:p>
         </p:txBody>
       </p:sp>
-      <p:pic>
-        <p:nvPicPr>
-          <p:cNvPr id="9" name="Picture 8">
-            <a:extLst>
-              <a:ext uri="{FF2B5EF4-FFF2-40B4-BE49-F238E27FC236}">
-                <a16:creationId xmlns:a16="http://schemas.microsoft.com/office/drawing/2014/main" id="{10111A1F-13E0-2EDA-2756-C26AA0D8B175}"/>
-              </a:ext>
-            </a:extLst>
-          </p:cNvPr>
-          <p:cNvPicPr>
-            <a:picLocks noChangeAspect="1"/>
-          </p:cNvPicPr>
-          <p:nvPr/>
-        </p:nvPicPr>
-        <p:blipFill>
-          <a:blip r:embed="rId2"/>
-          <a:stretch>
-            <a:fillRect/>
-          </a:stretch>
-        </p:blipFill>
-        <p:spPr>
-          <a:xfrm>
-            <a:off x="2971422" y="2083750"/>
-            <a:ext cx="4096352" cy="4529064"/>
-          </a:xfrm>
-          <a:prstGeom prst="rect">
-            <a:avLst/>
-          </a:prstGeom>
-        </p:spPr>
-      </p:pic>
       <p:sp>
         <p:nvSpPr>
           <p:cNvPr id="7" name="Rectangle 6">
@@ -10449,36 +10790,6 @@
           </a:p>
         </p:txBody>
       </p:sp>
-      <p:pic>
-        <p:nvPicPr>
-          <p:cNvPr id="9" name="Picture 8">
-            <a:extLst>
-              <a:ext uri="{FF2B5EF4-FFF2-40B4-BE49-F238E27FC236}">
-                <a16:creationId xmlns:a16="http://schemas.microsoft.com/office/drawing/2014/main" id="{DDDCD086-4EFE-83D7-37E7-514D6EE13DB3}"/>
-              </a:ext>
-            </a:extLst>
-          </p:cNvPr>
-          <p:cNvPicPr>
-            <a:picLocks noChangeAspect="1"/>
-          </p:cNvPicPr>
-          <p:nvPr/>
-        </p:nvPicPr>
-        <p:blipFill>
-          <a:blip r:embed="rId2"/>
-          <a:stretch>
-            <a:fillRect/>
-          </a:stretch>
-        </p:blipFill>
-        <p:spPr>
-          <a:xfrm>
-            <a:off x="2971422" y="2083750"/>
-            <a:ext cx="4096352" cy="4529064"/>
-          </a:xfrm>
-          <a:prstGeom prst="rect">
-            <a:avLst/>
-          </a:prstGeom>
-        </p:spPr>
-      </p:pic>
       <p:sp>
         <p:nvSpPr>
           <p:cNvPr id="5" name="Arrow: Right 4">
@@ -10839,6 +11150,36 @@
           </a:p>
         </p:txBody>
       </p:sp>
+      <p:pic>
+        <p:nvPicPr>
+          <p:cNvPr id="7" name="Picture 6">
+            <a:extLst>
+              <a:ext uri="{FF2B5EF4-FFF2-40B4-BE49-F238E27FC236}">
+                <a16:creationId xmlns:a16="http://schemas.microsoft.com/office/drawing/2014/main" id="{0E128B83-0295-9295-3944-9EADCF2C33FA}"/>
+              </a:ext>
+            </a:extLst>
+          </p:cNvPr>
+          <p:cNvPicPr>
+            <a:picLocks noChangeAspect="1"/>
+          </p:cNvPicPr>
+          <p:nvPr/>
+        </p:nvPicPr>
+        <p:blipFill>
+          <a:blip r:embed="rId2"/>
+          <a:stretch>
+            <a:fillRect/>
+          </a:stretch>
+        </p:blipFill>
+        <p:spPr>
+          <a:xfrm>
+            <a:off x="2964820" y="2083749"/>
+            <a:ext cx="4199773" cy="4609507"/>
+          </a:xfrm>
+          <a:prstGeom prst="rect">
+            <a:avLst/>
+          </a:prstGeom>
+        </p:spPr>
+      </p:pic>
     </p:spTree>
     <p:extLst>
       <p:ext uri="{BB962C8B-B14F-4D97-AF65-F5344CB8AC3E}">
@@ -11649,36 +11990,6 @@
           </a:p>
         </p:txBody>
       </p:sp>
-      <p:pic>
-        <p:nvPicPr>
-          <p:cNvPr id="6" name="Picture 5">
-            <a:extLst>
-              <a:ext uri="{FF2B5EF4-FFF2-40B4-BE49-F238E27FC236}">
-                <a16:creationId xmlns:a16="http://schemas.microsoft.com/office/drawing/2014/main" id="{9EAB4501-A381-6B87-BFC9-47A3959F6E94}"/>
-              </a:ext>
-            </a:extLst>
-          </p:cNvPr>
-          <p:cNvPicPr>
-            <a:picLocks noChangeAspect="1"/>
-          </p:cNvPicPr>
-          <p:nvPr/>
-        </p:nvPicPr>
-        <p:blipFill>
-          <a:blip r:embed="rId2"/>
-          <a:stretch>
-            <a:fillRect/>
-          </a:stretch>
-        </p:blipFill>
-        <p:spPr>
-          <a:xfrm>
-            <a:off x="544896" y="2322014"/>
-            <a:ext cx="4096352" cy="4529064"/>
-          </a:xfrm>
-          <a:prstGeom prst="rect">
-            <a:avLst/>
-          </a:prstGeom>
-        </p:spPr>
-      </p:pic>
       <p:sp>
         <p:nvSpPr>
           <p:cNvPr id="7" name="Arrow: Right 6">
@@ -12039,36 +12350,6 @@
           </a:p>
         </p:txBody>
       </p:sp>
-      <p:pic>
-        <p:nvPicPr>
-          <p:cNvPr id="14" name="Picture 13">
-            <a:extLst>
-              <a:ext uri="{FF2B5EF4-FFF2-40B4-BE49-F238E27FC236}">
-                <a16:creationId xmlns:a16="http://schemas.microsoft.com/office/drawing/2014/main" id="{27F664AF-CB6F-4092-3735-E86A4FBA6A40}"/>
-              </a:ext>
-            </a:extLst>
-          </p:cNvPr>
-          <p:cNvPicPr>
-            <a:picLocks noChangeAspect="1"/>
-          </p:cNvPicPr>
-          <p:nvPr/>
-        </p:nvPicPr>
-        <p:blipFill>
-          <a:blip r:embed="rId3"/>
-          <a:stretch>
-            <a:fillRect/>
-          </a:stretch>
-        </p:blipFill>
-        <p:spPr>
-          <a:xfrm>
-            <a:off x="6353552" y="2307940"/>
-            <a:ext cx="4096352" cy="4282551"/>
-          </a:xfrm>
-          <a:prstGeom prst="rect">
-            <a:avLst/>
-          </a:prstGeom>
-        </p:spPr>
-      </p:pic>
       <p:sp>
         <p:nvSpPr>
           <p:cNvPr id="16" name="Arrow: Right 15">
@@ -12129,6 +12410,66 @@
           </a:p>
         </p:txBody>
       </p:sp>
+      <p:pic>
+        <p:nvPicPr>
+          <p:cNvPr id="13" name="Picture 12">
+            <a:extLst>
+              <a:ext uri="{FF2B5EF4-FFF2-40B4-BE49-F238E27FC236}">
+                <a16:creationId xmlns:a16="http://schemas.microsoft.com/office/drawing/2014/main" id="{035E2BB0-C694-DBA3-D2DC-FD9DAE3214A8}"/>
+              </a:ext>
+            </a:extLst>
+          </p:cNvPr>
+          <p:cNvPicPr>
+            <a:picLocks noChangeAspect="1"/>
+          </p:cNvPicPr>
+          <p:nvPr/>
+        </p:nvPicPr>
+        <p:blipFill>
+          <a:blip r:embed="rId2"/>
+          <a:stretch>
+            <a:fillRect/>
+          </a:stretch>
+        </p:blipFill>
+        <p:spPr>
+          <a:xfrm>
+            <a:off x="538163" y="2320417"/>
+            <a:ext cx="4134242" cy="4537583"/>
+          </a:xfrm>
+          <a:prstGeom prst="rect">
+            <a:avLst/>
+          </a:prstGeom>
+        </p:spPr>
+      </p:pic>
+      <p:pic>
+        <p:nvPicPr>
+          <p:cNvPr id="21" name="Picture 20">
+            <a:extLst>
+              <a:ext uri="{FF2B5EF4-FFF2-40B4-BE49-F238E27FC236}">
+                <a16:creationId xmlns:a16="http://schemas.microsoft.com/office/drawing/2014/main" id="{A09D5DB8-17D2-BACF-35FE-FFFC50BDFCC7}"/>
+              </a:ext>
+            </a:extLst>
+          </p:cNvPr>
+          <p:cNvPicPr>
+            <a:picLocks noChangeAspect="1"/>
+          </p:cNvPicPr>
+          <p:nvPr/>
+        </p:nvPicPr>
+        <p:blipFill>
+          <a:blip r:embed="rId3"/>
+          <a:stretch>
+            <a:fillRect/>
+          </a:stretch>
+        </p:blipFill>
+        <p:spPr>
+          <a:xfrm>
+            <a:off x="6305241" y="2320417"/>
+            <a:ext cx="4119688" cy="4306294"/>
+          </a:xfrm>
+          <a:prstGeom prst="rect">
+            <a:avLst/>
+          </a:prstGeom>
+        </p:spPr>
+      </p:pic>
     </p:spTree>
     <p:extLst>
       <p:ext uri="{BB962C8B-B14F-4D97-AF65-F5344CB8AC3E}">
@@ -12165,6 +12506,66 @@
           <a:chExt cx="0" cy="0"/>
         </a:xfrm>
       </p:grpSpPr>
+      <p:pic>
+        <p:nvPicPr>
+          <p:cNvPr id="20" name="Picture 19">
+            <a:extLst>
+              <a:ext uri="{FF2B5EF4-FFF2-40B4-BE49-F238E27FC236}">
+                <a16:creationId xmlns:a16="http://schemas.microsoft.com/office/drawing/2014/main" id="{F61CC7E8-3AD6-81BF-A9A5-C7F1555484E4}"/>
+              </a:ext>
+            </a:extLst>
+          </p:cNvPr>
+          <p:cNvPicPr>
+            <a:picLocks noChangeAspect="1"/>
+          </p:cNvPicPr>
+          <p:nvPr/>
+        </p:nvPicPr>
+        <p:blipFill>
+          <a:blip r:embed="rId2"/>
+          <a:stretch>
+            <a:fillRect/>
+          </a:stretch>
+        </p:blipFill>
+        <p:spPr>
+          <a:xfrm>
+            <a:off x="6308476" y="2289461"/>
+            <a:ext cx="4119688" cy="4306294"/>
+          </a:xfrm>
+          <a:prstGeom prst="rect">
+            <a:avLst/>
+          </a:prstGeom>
+        </p:spPr>
+      </p:pic>
+      <p:pic>
+        <p:nvPicPr>
+          <p:cNvPr id="19" name="Picture 18">
+            <a:extLst>
+              <a:ext uri="{FF2B5EF4-FFF2-40B4-BE49-F238E27FC236}">
+                <a16:creationId xmlns:a16="http://schemas.microsoft.com/office/drawing/2014/main" id="{C74AA37F-1822-F664-3B13-B83855D289FC}"/>
+              </a:ext>
+            </a:extLst>
+          </p:cNvPr>
+          <p:cNvPicPr>
+            <a:picLocks noChangeAspect="1"/>
+          </p:cNvPicPr>
+          <p:nvPr/>
+        </p:nvPicPr>
+        <p:blipFill>
+          <a:blip r:embed="rId3"/>
+          <a:stretch>
+            <a:fillRect/>
+          </a:stretch>
+        </p:blipFill>
+        <p:spPr>
+          <a:xfrm>
+            <a:off x="481241" y="2320417"/>
+            <a:ext cx="4160007" cy="4565861"/>
+          </a:xfrm>
+          <a:prstGeom prst="rect">
+            <a:avLst/>
+          </a:prstGeom>
+        </p:spPr>
+      </p:pic>
       <p:sp>
         <p:nvSpPr>
           <p:cNvPr id="2" name="Title 1">
@@ -12732,36 +13133,6 @@
           </a:p>
         </p:txBody>
       </p:sp>
-      <p:pic>
-        <p:nvPicPr>
-          <p:cNvPr id="6" name="Picture 5">
-            <a:extLst>
-              <a:ext uri="{FF2B5EF4-FFF2-40B4-BE49-F238E27FC236}">
-                <a16:creationId xmlns:a16="http://schemas.microsoft.com/office/drawing/2014/main" id="{11C71774-9845-44DD-5DD4-B686C9FEF54C}"/>
-              </a:ext>
-            </a:extLst>
-          </p:cNvPr>
-          <p:cNvPicPr>
-            <a:picLocks noChangeAspect="1"/>
-          </p:cNvPicPr>
-          <p:nvPr/>
-        </p:nvPicPr>
-        <p:blipFill>
-          <a:blip r:embed="rId2"/>
-          <a:stretch>
-            <a:fillRect/>
-          </a:stretch>
-        </p:blipFill>
-        <p:spPr>
-          <a:xfrm>
-            <a:off x="544896" y="2322014"/>
-            <a:ext cx="4096352" cy="4529064"/>
-          </a:xfrm>
-          <a:prstGeom prst="rect">
-            <a:avLst/>
-          </a:prstGeom>
-        </p:spPr>
-      </p:pic>
       <p:sp>
         <p:nvSpPr>
           <p:cNvPr id="7" name="Arrow: Right 6">
@@ -13122,36 +13493,6 @@
           </a:p>
         </p:txBody>
       </p:sp>
-      <p:pic>
-        <p:nvPicPr>
-          <p:cNvPr id="14" name="Picture 13">
-            <a:extLst>
-              <a:ext uri="{FF2B5EF4-FFF2-40B4-BE49-F238E27FC236}">
-                <a16:creationId xmlns:a16="http://schemas.microsoft.com/office/drawing/2014/main" id="{09E2A272-D4BD-C7A3-DF8C-9D38D42FFC5E}"/>
-              </a:ext>
-            </a:extLst>
-          </p:cNvPr>
-          <p:cNvPicPr>
-            <a:picLocks noChangeAspect="1"/>
-          </p:cNvPicPr>
-          <p:nvPr/>
-        </p:nvPicPr>
-        <p:blipFill>
-          <a:blip r:embed="rId3"/>
-          <a:stretch>
-            <a:fillRect/>
-          </a:stretch>
-        </p:blipFill>
-        <p:spPr>
-          <a:xfrm>
-            <a:off x="6353552" y="2307940"/>
-            <a:ext cx="4096352" cy="4282551"/>
-          </a:xfrm>
-          <a:prstGeom prst="rect">
-            <a:avLst/>
-          </a:prstGeom>
-        </p:spPr>
-      </p:pic>
       <p:sp>
         <p:nvSpPr>
           <p:cNvPr id="16" name="Arrow: Right 15">
